--- a/docs/プロダクトオーナーの役割.pptx
+++ b/docs/プロダクトオーナーの役割.pptx
@@ -6,44 +6,43 @@
     <p:sldMasterId id="2147483662" r:id="rId2"/>
   </p:sldMasterIdLst>
   <p:notesMasterIdLst>
-    <p:notesMasterId r:id="rId38"/>
+    <p:notesMasterId r:id="rId37"/>
   </p:notesMasterIdLst>
   <p:sldIdLst>
     <p:sldId id="257" r:id="rId3"/>
     <p:sldId id="258" r:id="rId4"/>
     <p:sldId id="261" r:id="rId5"/>
     <p:sldId id="328" r:id="rId6"/>
-    <p:sldId id="327" r:id="rId7"/>
-    <p:sldId id="260" r:id="rId8"/>
-    <p:sldId id="259" r:id="rId9"/>
-    <p:sldId id="323" r:id="rId10"/>
-    <p:sldId id="324" r:id="rId11"/>
-    <p:sldId id="325" r:id="rId12"/>
-    <p:sldId id="270" r:id="rId13"/>
-    <p:sldId id="271" r:id="rId14"/>
-    <p:sldId id="309" r:id="rId15"/>
-    <p:sldId id="272" r:id="rId16"/>
-    <p:sldId id="263" r:id="rId17"/>
-    <p:sldId id="278" r:id="rId18"/>
-    <p:sldId id="307" r:id="rId19"/>
-    <p:sldId id="279" r:id="rId20"/>
-    <p:sldId id="303" r:id="rId21"/>
-    <p:sldId id="267" r:id="rId22"/>
-    <p:sldId id="286" r:id="rId23"/>
-    <p:sldId id="311" r:id="rId24"/>
-    <p:sldId id="305" r:id="rId25"/>
-    <p:sldId id="277" r:id="rId26"/>
-    <p:sldId id="287" r:id="rId27"/>
-    <p:sldId id="281" r:id="rId28"/>
-    <p:sldId id="322" r:id="rId29"/>
-    <p:sldId id="315" r:id="rId30"/>
-    <p:sldId id="293" r:id="rId31"/>
-    <p:sldId id="282" r:id="rId32"/>
-    <p:sldId id="294" r:id="rId33"/>
-    <p:sldId id="295" r:id="rId34"/>
-    <p:sldId id="297" r:id="rId35"/>
-    <p:sldId id="326" r:id="rId36"/>
-    <p:sldId id="296" r:id="rId37"/>
+    <p:sldId id="260" r:id="rId7"/>
+    <p:sldId id="259" r:id="rId8"/>
+    <p:sldId id="323" r:id="rId9"/>
+    <p:sldId id="324" r:id="rId10"/>
+    <p:sldId id="325" r:id="rId11"/>
+    <p:sldId id="270" r:id="rId12"/>
+    <p:sldId id="271" r:id="rId13"/>
+    <p:sldId id="309" r:id="rId14"/>
+    <p:sldId id="272" r:id="rId15"/>
+    <p:sldId id="263" r:id="rId16"/>
+    <p:sldId id="278" r:id="rId17"/>
+    <p:sldId id="307" r:id="rId18"/>
+    <p:sldId id="279" r:id="rId19"/>
+    <p:sldId id="303" r:id="rId20"/>
+    <p:sldId id="267" r:id="rId21"/>
+    <p:sldId id="286" r:id="rId22"/>
+    <p:sldId id="311" r:id="rId23"/>
+    <p:sldId id="305" r:id="rId24"/>
+    <p:sldId id="277" r:id="rId25"/>
+    <p:sldId id="287" r:id="rId26"/>
+    <p:sldId id="281" r:id="rId27"/>
+    <p:sldId id="322" r:id="rId28"/>
+    <p:sldId id="315" r:id="rId29"/>
+    <p:sldId id="293" r:id="rId30"/>
+    <p:sldId id="282" r:id="rId31"/>
+    <p:sldId id="294" r:id="rId32"/>
+    <p:sldId id="295" r:id="rId33"/>
+    <p:sldId id="297" r:id="rId34"/>
+    <p:sldId id="326" r:id="rId35"/>
+    <p:sldId id="296" r:id="rId36"/>
   </p:sldIdLst>
   <p:sldSz cx="9144000" cy="6858000" type="screen4x3"/>
   <p:notesSz cx="6858000" cy="9144000"/>
@@ -1137,6 +1136,248 @@
       <dsp:cNvGrpSpPr/>
     </dsp:nvGrpSpPr>
     <dsp:grpSpPr/>
+    <dsp:sp modelId="{297E16BB-D720-4348-AFE7-C21A9332A6D6}">
+      <dsp:nvSpPr>
+        <dsp:cNvPr id="0" name=""/>
+        <dsp:cNvSpPr/>
+      </dsp:nvSpPr>
+      <dsp:spPr>
+        <a:xfrm>
+          <a:off x="3156355" y="871387"/>
+          <a:ext cx="1650328" cy="1650328"/>
+        </a:xfrm>
+        <a:prstGeom prst="rect">
+          <a:avLst/>
+        </a:prstGeom>
+        <a:noFill/>
+        <a:ln>
+          <a:noFill/>
+        </a:ln>
+        <a:effectLst/>
+      </dsp:spPr>
+      <dsp:style>
+        <a:lnRef idx="0">
+          <a:scrgbClr r="0" g="0" b="0"/>
+        </a:lnRef>
+        <a:fillRef idx="0">
+          <a:scrgbClr r="0" g="0" b="0"/>
+        </a:fillRef>
+        <a:effectRef idx="0">
+          <a:scrgbClr r="0" g="0" b="0"/>
+        </a:effectRef>
+        <a:fontRef idx="minor"/>
+      </dsp:style>
+      <dsp:txBody>
+        <a:bodyPr spcFirstLastPara="0" vert="horz" wrap="square" lIns="55880" tIns="55880" rIns="55880" bIns="55880" numCol="1" spcCol="1270" anchor="ctr" anchorCtr="0">
+          <a:noAutofit/>
+        </a:bodyPr>
+        <a:lstStyle/>
+        <a:p>
+          <a:pPr lvl="0" algn="ctr" defTabSz="1955800">
+            <a:lnSpc>
+              <a:spcPct val="90000"/>
+            </a:lnSpc>
+            <a:spcBef>
+              <a:spcPct val="0"/>
+            </a:spcBef>
+            <a:spcAft>
+              <a:spcPct val="35000"/>
+            </a:spcAft>
+          </a:pPr>
+          <a:r>
+            <a:rPr kumimoji="1" lang="ja-JP" altLang="en-US" sz="4400" kern="1200" dirty="0" smtClean="0">
+              <a:latin typeface="メイリオ" panose="020B0604030504040204" pitchFamily="50" charset="-128"/>
+              <a:ea typeface="メイリオ" panose="020B0604030504040204" pitchFamily="50" charset="-128"/>
+            </a:rPr>
+            <a:t>適応</a:t>
+          </a:r>
+          <a:endParaRPr kumimoji="1" lang="ja-JP" altLang="en-US" sz="4400" kern="1200" dirty="0">
+            <a:latin typeface="メイリオ" panose="020B0604030504040204" pitchFamily="50" charset="-128"/>
+            <a:ea typeface="メイリオ" panose="020B0604030504040204" pitchFamily="50" charset="-128"/>
+          </a:endParaRPr>
+        </a:p>
+      </dsp:txBody>
+      <dsp:txXfrm>
+        <a:off x="3156355" y="871387"/>
+        <a:ext cx="1650328" cy="1650328"/>
+      </dsp:txXfrm>
+    </dsp:sp>
+    <dsp:sp modelId="{07DC8127-4991-4EDB-8E5C-6AB140419D1F}">
+      <dsp:nvSpPr>
+        <dsp:cNvPr id="0" name=""/>
+        <dsp:cNvSpPr/>
+      </dsp:nvSpPr>
+      <dsp:spPr>
+        <a:xfrm>
+          <a:off x="934448" y="-1299"/>
+          <a:ext cx="3395703" cy="3395703"/>
+        </a:xfrm>
+        <a:prstGeom prst="circularArrow">
+          <a:avLst>
+            <a:gd name="adj1" fmla="val 9477"/>
+            <a:gd name="adj2" fmla="val 684435"/>
+            <a:gd name="adj3" fmla="val 7853307"/>
+            <a:gd name="adj4" fmla="val 2262257"/>
+            <a:gd name="adj5" fmla="val 11057"/>
+          </a:avLst>
+        </a:prstGeom>
+        <a:solidFill>
+          <a:schemeClr val="accent5">
+            <a:hueOff val="0"/>
+            <a:satOff val="0"/>
+            <a:lumOff val="0"/>
+            <a:alphaOff val="0"/>
+          </a:schemeClr>
+        </a:solidFill>
+        <a:ln w="25400" cap="flat" cmpd="sng" algn="ctr">
+          <a:solidFill>
+            <a:schemeClr val="lt1">
+              <a:hueOff val="0"/>
+              <a:satOff val="0"/>
+              <a:lumOff val="0"/>
+              <a:alphaOff val="0"/>
+            </a:schemeClr>
+          </a:solidFill>
+          <a:prstDash val="solid"/>
+        </a:ln>
+        <a:effectLst/>
+      </dsp:spPr>
+      <dsp:style>
+        <a:lnRef idx="2">
+          <a:scrgbClr r="0" g="0" b="0"/>
+        </a:lnRef>
+        <a:fillRef idx="1">
+          <a:scrgbClr r="0" g="0" b="0"/>
+        </a:fillRef>
+        <a:effectRef idx="0">
+          <a:scrgbClr r="0" g="0" b="0"/>
+        </a:effectRef>
+        <a:fontRef idx="minor">
+          <a:schemeClr val="lt1"/>
+        </a:fontRef>
+      </dsp:style>
+    </dsp:sp>
+    <dsp:sp modelId="{468E0165-C11A-459B-A55D-34B2D60EB29E}">
+      <dsp:nvSpPr>
+        <dsp:cNvPr id="0" name=""/>
+        <dsp:cNvSpPr/>
+      </dsp:nvSpPr>
+      <dsp:spPr>
+        <a:xfrm>
+          <a:off x="457915" y="871387"/>
+          <a:ext cx="1650328" cy="1650328"/>
+        </a:xfrm>
+        <a:prstGeom prst="rect">
+          <a:avLst/>
+        </a:prstGeom>
+        <a:noFill/>
+        <a:ln>
+          <a:noFill/>
+        </a:ln>
+        <a:effectLst/>
+      </dsp:spPr>
+      <dsp:style>
+        <a:lnRef idx="0">
+          <a:scrgbClr r="0" g="0" b="0"/>
+        </a:lnRef>
+        <a:fillRef idx="0">
+          <a:scrgbClr r="0" g="0" b="0"/>
+        </a:fillRef>
+        <a:effectRef idx="0">
+          <a:scrgbClr r="0" g="0" b="0"/>
+        </a:effectRef>
+        <a:fontRef idx="minor"/>
+      </dsp:style>
+      <dsp:txBody>
+        <a:bodyPr spcFirstLastPara="0" vert="horz" wrap="square" lIns="55880" tIns="55880" rIns="55880" bIns="55880" numCol="1" spcCol="1270" anchor="ctr" anchorCtr="0">
+          <a:noAutofit/>
+        </a:bodyPr>
+        <a:lstStyle/>
+        <a:p>
+          <a:pPr lvl="0" algn="ctr" defTabSz="1955800">
+            <a:lnSpc>
+              <a:spcPct val="90000"/>
+            </a:lnSpc>
+            <a:spcBef>
+              <a:spcPct val="0"/>
+            </a:spcBef>
+            <a:spcAft>
+              <a:spcPct val="35000"/>
+            </a:spcAft>
+          </a:pPr>
+          <a:r>
+            <a:rPr kumimoji="1" lang="ja-JP" altLang="en-US" sz="4400" kern="1200" dirty="0" smtClean="0">
+              <a:latin typeface="メイリオ" panose="020B0604030504040204" pitchFamily="50" charset="-128"/>
+              <a:ea typeface="メイリオ" panose="020B0604030504040204" pitchFamily="50" charset="-128"/>
+            </a:rPr>
+            <a:t>検査</a:t>
+          </a:r>
+          <a:endParaRPr kumimoji="1" lang="ja-JP" altLang="en-US" sz="4400" kern="1200" dirty="0">
+            <a:latin typeface="メイリオ" panose="020B0604030504040204" pitchFamily="50" charset="-128"/>
+            <a:ea typeface="メイリオ" panose="020B0604030504040204" pitchFamily="50" charset="-128"/>
+          </a:endParaRPr>
+        </a:p>
+      </dsp:txBody>
+      <dsp:txXfrm>
+        <a:off x="457915" y="871387"/>
+        <a:ext cx="1650328" cy="1650328"/>
+      </dsp:txXfrm>
+    </dsp:sp>
+    <dsp:sp modelId="{4FD79FEA-C542-45C4-BB57-D3550179A470}">
+      <dsp:nvSpPr>
+        <dsp:cNvPr id="0" name=""/>
+        <dsp:cNvSpPr/>
+      </dsp:nvSpPr>
+      <dsp:spPr>
+        <a:xfrm>
+          <a:off x="934448" y="-1299"/>
+          <a:ext cx="3395703" cy="3395703"/>
+        </a:xfrm>
+        <a:prstGeom prst="circularArrow">
+          <a:avLst>
+            <a:gd name="adj1" fmla="val 9477"/>
+            <a:gd name="adj2" fmla="val 684435"/>
+            <a:gd name="adj3" fmla="val 18653307"/>
+            <a:gd name="adj4" fmla="val 13062257"/>
+            <a:gd name="adj5" fmla="val 11057"/>
+          </a:avLst>
+        </a:prstGeom>
+        <a:solidFill>
+          <a:schemeClr val="accent5">
+            <a:hueOff val="-5755075"/>
+            <a:satOff val="-22165"/>
+            <a:lumOff val="23723"/>
+            <a:alphaOff val="0"/>
+          </a:schemeClr>
+        </a:solidFill>
+        <a:ln w="25400" cap="flat" cmpd="sng" algn="ctr">
+          <a:solidFill>
+            <a:schemeClr val="lt1">
+              <a:hueOff val="0"/>
+              <a:satOff val="0"/>
+              <a:lumOff val="0"/>
+              <a:alphaOff val="0"/>
+            </a:schemeClr>
+          </a:solidFill>
+          <a:prstDash val="solid"/>
+        </a:ln>
+        <a:effectLst/>
+      </dsp:spPr>
+      <dsp:style>
+        <a:lnRef idx="2">
+          <a:scrgbClr r="0" g="0" b="0"/>
+        </a:lnRef>
+        <a:fillRef idx="1">
+          <a:scrgbClr r="0" g="0" b="0"/>
+        </a:fillRef>
+        <a:effectRef idx="0">
+          <a:scrgbClr r="0" g="0" b="0"/>
+        </a:effectRef>
+        <a:fontRef idx="minor">
+          <a:schemeClr val="lt1"/>
+        </a:fontRef>
+      </dsp:style>
+    </dsp:sp>
   </dsp:spTree>
 </dsp:drawing>
 </file>
@@ -2455,7 +2696,7 @@
           <a:p>
             <a:fld id="{FB51DCDA-08E1-40B7-B9EB-15F057C75ABD}" type="datetimeFigureOut">
               <a:rPr kumimoji="1" lang="ja-JP" altLang="en-US" smtClean="0"/>
-              <a:t>2019/2/14</a:t>
+              <a:t>2019/2/18</a:t>
             </a:fld>
             <a:endParaRPr kumimoji="1" lang="ja-JP" altLang="en-US"/>
           </a:p>
@@ -2913,7 +3154,7 @@
           <a:p>
             <a:fld id="{ABD88DDB-A56A-44BC-AFFA-ED23EB722968}" type="slidenum">
               <a:rPr kumimoji="1" lang="ja-JP" altLang="en-US" smtClean="0"/>
-              <a:t>23</a:t>
+              <a:t>22</a:t>
             </a:fld>
             <a:endParaRPr kumimoji="1" lang="ja-JP" altLang="en-US"/>
           </a:p>
@@ -3014,7 +3255,7 @@
           <a:p>
             <a:fld id="{ABD88DDB-A56A-44BC-AFFA-ED23EB722968}" type="slidenum">
               <a:rPr kumimoji="1" lang="ja-JP" altLang="en-US" smtClean="0"/>
-              <a:t>25</a:t>
+              <a:t>24</a:t>
             </a:fld>
             <a:endParaRPr kumimoji="1" lang="ja-JP" altLang="en-US"/>
           </a:p>
@@ -3098,7 +3339,7 @@
           <a:p>
             <a:fld id="{ABD88DDB-A56A-44BC-AFFA-ED23EB722968}" type="slidenum">
               <a:rPr kumimoji="1" lang="ja-JP" altLang="en-US" smtClean="0"/>
-              <a:t>27</a:t>
+              <a:t>26</a:t>
             </a:fld>
             <a:endParaRPr kumimoji="1" lang="ja-JP" altLang="en-US"/>
           </a:p>
@@ -3182,7 +3423,7 @@
           <a:p>
             <a:fld id="{ABD88DDB-A56A-44BC-AFFA-ED23EB722968}" type="slidenum">
               <a:rPr kumimoji="1" lang="ja-JP" altLang="en-US" smtClean="0"/>
-              <a:t>28</a:t>
+              <a:t>27</a:t>
             </a:fld>
             <a:endParaRPr kumimoji="1" lang="ja-JP" altLang="en-US"/>
           </a:p>
@@ -3272,7 +3513,7 @@
           <a:p>
             <a:fld id="{ABD88DDB-A56A-44BC-AFFA-ED23EB722968}" type="slidenum">
               <a:rPr kumimoji="1" lang="ja-JP" altLang="en-US" smtClean="0"/>
-              <a:t>30</a:t>
+              <a:t>29</a:t>
             </a:fld>
             <a:endParaRPr kumimoji="1" lang="ja-JP" altLang="en-US"/>
           </a:p>
@@ -3356,7 +3597,7 @@
           <a:p>
             <a:fld id="{ABD88DDB-A56A-44BC-AFFA-ED23EB722968}" type="slidenum">
               <a:rPr kumimoji="1" lang="ja-JP" altLang="en-US" smtClean="0"/>
-              <a:t>31</a:t>
+              <a:t>30</a:t>
             </a:fld>
             <a:endParaRPr kumimoji="1" lang="ja-JP" altLang="en-US"/>
           </a:p>
@@ -3457,7 +3698,7 @@
           <a:p>
             <a:fld id="{ABD88DDB-A56A-44BC-AFFA-ED23EB722968}" type="slidenum">
               <a:rPr kumimoji="1" lang="ja-JP" altLang="en-US" smtClean="0"/>
-              <a:t>32</a:t>
+              <a:t>31</a:t>
             </a:fld>
             <a:endParaRPr kumimoji="1" lang="ja-JP" altLang="en-US"/>
           </a:p>
@@ -3541,7 +3782,7 @@
           <a:p>
             <a:fld id="{ABD88DDB-A56A-44BC-AFFA-ED23EB722968}" type="slidenum">
               <a:rPr kumimoji="1" lang="ja-JP" altLang="en-US" smtClean="0"/>
-              <a:t>35</a:t>
+              <a:t>34</a:t>
             </a:fld>
             <a:endParaRPr kumimoji="1" lang="ja-JP" altLang="en-US"/>
           </a:p>
@@ -3625,7 +3866,7 @@
           <a:p>
             <a:fld id="{ABD88DDB-A56A-44BC-AFFA-ED23EB722968}" type="slidenum">
               <a:rPr kumimoji="1" lang="ja-JP" altLang="en-US" smtClean="0"/>
-              <a:t>7</a:t>
+              <a:t>6</a:t>
             </a:fld>
             <a:endParaRPr kumimoji="1" lang="ja-JP" altLang="en-US"/>
           </a:p>
@@ -3709,7 +3950,7 @@
           <a:p>
             <a:fld id="{ABD88DDB-A56A-44BC-AFFA-ED23EB722968}" type="slidenum">
               <a:rPr kumimoji="1" lang="ja-JP" altLang="en-US" smtClean="0"/>
-              <a:t>8</a:t>
+              <a:t>7</a:t>
             </a:fld>
             <a:endParaRPr kumimoji="1" lang="ja-JP" altLang="en-US"/>
           </a:p>
@@ -3793,7 +4034,7 @@
           <a:p>
             <a:fld id="{ABD88DDB-A56A-44BC-AFFA-ED23EB722968}" type="slidenum">
               <a:rPr kumimoji="1" lang="ja-JP" altLang="en-US" smtClean="0"/>
-              <a:t>9</a:t>
+              <a:t>8</a:t>
             </a:fld>
             <a:endParaRPr kumimoji="1" lang="ja-JP" altLang="en-US"/>
           </a:p>
@@ -3877,7 +4118,7 @@
           <a:p>
             <a:fld id="{ABD88DDB-A56A-44BC-AFFA-ED23EB722968}" type="slidenum">
               <a:rPr kumimoji="1" lang="ja-JP" altLang="en-US" smtClean="0"/>
-              <a:t>10</a:t>
+              <a:t>9</a:t>
             </a:fld>
             <a:endParaRPr kumimoji="1" lang="ja-JP" altLang="en-US"/>
           </a:p>
@@ -3961,7 +4202,7 @@
           <a:p>
             <a:fld id="{ABD88DDB-A56A-44BC-AFFA-ED23EB722968}" type="slidenum">
               <a:rPr kumimoji="1" lang="ja-JP" altLang="en-US" smtClean="0"/>
-              <a:t>12</a:t>
+              <a:t>11</a:t>
             </a:fld>
             <a:endParaRPr kumimoji="1" lang="ja-JP" altLang="en-US"/>
           </a:p>
@@ -4045,7 +4286,7 @@
           <a:p>
             <a:fld id="{ABD88DDB-A56A-44BC-AFFA-ED23EB722968}" type="slidenum">
               <a:rPr kumimoji="1" lang="ja-JP" altLang="en-US" smtClean="0"/>
-              <a:t>17</a:t>
+              <a:t>16</a:t>
             </a:fld>
             <a:endParaRPr kumimoji="1" lang="ja-JP" altLang="en-US"/>
           </a:p>
@@ -4129,7 +4370,7 @@
           <a:p>
             <a:fld id="{ABD88DDB-A56A-44BC-AFFA-ED23EB722968}" type="slidenum">
               <a:rPr kumimoji="1" lang="ja-JP" altLang="en-US" smtClean="0"/>
-              <a:t>18</a:t>
+              <a:t>17</a:t>
             </a:fld>
             <a:endParaRPr kumimoji="1" lang="ja-JP" altLang="en-US"/>
           </a:p>
@@ -4213,7 +4454,7 @@
           <a:p>
             <a:fld id="{ABD88DDB-A56A-44BC-AFFA-ED23EB722968}" type="slidenum">
               <a:rPr kumimoji="1" lang="ja-JP" altLang="en-US" smtClean="0"/>
-              <a:t>22</a:t>
+              <a:t>21</a:t>
             </a:fld>
             <a:endParaRPr kumimoji="1" lang="ja-JP" altLang="en-US"/>
           </a:p>
@@ -7191,7 +7432,7 @@
               <a:t>第</a:t>
             </a:r>
             <a:r>
-              <a:rPr lang="en-US" altLang="ja-JP" dirty="0" smtClean="0">
+              <a:rPr lang="en-US" altLang="ja-JP" smtClean="0">
                 <a:solidFill>
                   <a:srgbClr val="000000">
                     <a:lumMod val="75000"/>
@@ -7201,10 +7442,10 @@
                 <a:latin typeface="Meiryo UI" panose="020B0604030504040204" pitchFamily="50" charset="-128"/>
                 <a:ea typeface="Meiryo UI" panose="020B0604030504040204" pitchFamily="50" charset="-128"/>
               </a:rPr>
-              <a:t>1.0</a:t>
-            </a:r>
-            <a:r>
-              <a:rPr lang="ja-JP" altLang="en-US" dirty="0" smtClean="0">
+              <a:t>1.1</a:t>
+            </a:r>
+            <a:r>
+              <a:rPr lang="ja-JP" altLang="en-US" smtClean="0">
                 <a:solidFill>
                   <a:srgbClr val="000000">
                     <a:lumMod val="75000"/>
@@ -7606,66 +7847,6 @@
       </p:grpSpPr>
       <p:sp>
         <p:nvSpPr>
-          <p:cNvPr id="5" name="角丸四角形 4"/>
-          <p:cNvSpPr/>
-          <p:nvPr/>
-        </p:nvSpPr>
-        <p:spPr>
-          <a:xfrm>
-            <a:off x="467544" y="1916832"/>
-            <a:ext cx="8424936" cy="1080120"/>
-          </a:xfrm>
-          <a:prstGeom prst="roundRect">
-            <a:avLst/>
-          </a:prstGeom>
-          <a:solidFill>
-            <a:schemeClr val="accent6">
-              <a:lumMod val="20000"/>
-              <a:lumOff val="80000"/>
-            </a:schemeClr>
-          </a:solidFill>
-          <a:ln>
-            <a:noFill/>
-          </a:ln>
-        </p:spPr>
-        <p:style>
-          <a:lnRef idx="2">
-            <a:schemeClr val="accent1">
-              <a:shade val="50000"/>
-            </a:schemeClr>
-          </a:lnRef>
-          <a:fillRef idx="1">
-            <a:schemeClr val="accent1"/>
-          </a:fillRef>
-          <a:effectRef idx="0">
-            <a:schemeClr val="accent1"/>
-          </a:effectRef>
-          <a:fontRef idx="minor">
-            <a:schemeClr val="lt1"/>
-          </a:fontRef>
-        </p:style>
-        <p:txBody>
-          <a:bodyPr rtlCol="0" anchor="ctr"/>
-          <a:lstStyle/>
-          <a:p>
-            <a:r>
-              <a:rPr lang="ja-JP" altLang="en-US" sz="2800" dirty="0" smtClean="0">
-                <a:solidFill>
-                  <a:schemeClr val="tx1"/>
-                </a:solidFill>
-              </a:rPr>
-              <a:t>マーケットのニーズを満たすことで収益を上げられる。</a:t>
-            </a:r>
-            <a:endParaRPr lang="ja-JP" altLang="en-US" sz="2800" dirty="0">
-              <a:solidFill>
-                <a:schemeClr val="tx1"/>
-              </a:solidFill>
-            </a:endParaRPr>
-          </a:p>
-        </p:txBody>
-      </p:sp>
-      <p:sp>
-        <p:nvSpPr>
           <p:cNvPr id="2" name="タイトル 1"/>
           <p:cNvSpPr>
             <a:spLocks noGrp="1"/>
@@ -7681,15 +7862,19 @@
           <a:p>
             <a:r>
               <a:rPr kumimoji="1" lang="ja-JP" altLang="en-US" dirty="0" smtClean="0"/>
-              <a:t>プロダクト</a:t>
+              <a:t>マーケットの対象（</a:t>
             </a:r>
             <a:r>
               <a:rPr lang="ja-JP" altLang="en-US" dirty="0"/>
-              <a:t>オーナ</a:t>
+              <a:t>一般的</a:t>
+            </a:r>
+            <a:r>
+              <a:rPr lang="ja-JP" altLang="en-US" dirty="0" smtClean="0"/>
+              <a:t>な領域</a:t>
             </a:r>
             <a:r>
               <a:rPr kumimoji="1" lang="ja-JP" altLang="en-US" dirty="0" smtClean="0"/>
-              <a:t>ーについて</a:t>
+              <a:t>）</a:t>
             </a:r>
             <a:endParaRPr kumimoji="1" lang="ja-JP" altLang="en-US" dirty="0"/>
           </a:p>
@@ -7705,42 +7890,68 @@
             <p:ph idx="1"/>
           </p:nvPr>
         </p:nvSpPr>
-        <p:spPr>
-          <a:xfrm>
-            <a:off x="467544" y="1268759"/>
-            <a:ext cx="8424936" cy="576065"/>
-          </a:xfrm>
-        </p:spPr>
+        <p:spPr/>
         <p:txBody>
-          <a:bodyPr>
-            <a:normAutofit/>
-          </a:bodyPr>
+          <a:bodyPr/>
           <a:lstStyle/>
           <a:p>
             <a:pPr marL="0" indent="0">
               <a:buNone/>
             </a:pPr>
             <a:r>
-              <a:rPr lang="ja-JP" altLang="en-US" sz="1400" dirty="0" smtClean="0"/>
-              <a:t>一方</a:t>
-            </a:r>
-            <a:r>
-              <a:rPr lang="ja-JP" altLang="en-US" sz="2800" b="1" dirty="0" smtClean="0"/>
-              <a:t>プロダク</a:t>
-            </a:r>
-            <a:r>
-              <a:rPr kumimoji="1" lang="ja-JP" altLang="en-US" sz="2800" b="1" dirty="0" smtClean="0"/>
-              <a:t>ト</a:t>
-            </a:r>
-            <a:r>
-              <a:rPr kumimoji="1" lang="ja-JP" altLang="en-US" sz="1600" dirty="0" smtClean="0"/>
-              <a:t>と</a:t>
-            </a:r>
-            <a:r>
-              <a:rPr kumimoji="1" lang="ja-JP" altLang="en-US" sz="1400" dirty="0" smtClean="0"/>
-              <a:t>は</a:t>
-            </a:r>
-            <a:endParaRPr kumimoji="1" lang="en-US" altLang="ja-JP" sz="2800" dirty="0" smtClean="0"/>
+              <a:rPr lang="ja-JP" altLang="en-US" dirty="0" smtClean="0"/>
+              <a:t>「</a:t>
+            </a:r>
+            <a:r>
+              <a:rPr lang="ja-JP" altLang="en-US" dirty="0">
+                <a:latin typeface="メイリオ" panose="020B0604030504040204" pitchFamily="50" charset="-128"/>
+              </a:rPr>
+              <a:t>商品やサービスを購買している、あるいは</a:t>
+            </a:r>
+            <a:r>
+              <a:rPr lang="ja-JP" altLang="en-US" u="sng" dirty="0">
+                <a:solidFill>
+                  <a:srgbClr val="FF0000"/>
+                </a:solidFill>
+                <a:latin typeface="メイリオ" panose="020B0604030504040204" pitchFamily="50" charset="-128"/>
+              </a:rPr>
+              <a:t>購買</a:t>
+            </a:r>
+            <a:r>
+              <a:rPr lang="ja-JP" altLang="en-US" u="sng" dirty="0" smtClean="0">
+                <a:solidFill>
+                  <a:srgbClr val="FF0000"/>
+                </a:solidFill>
+                <a:latin typeface="メイリオ" panose="020B0604030504040204" pitchFamily="50" charset="-128"/>
+              </a:rPr>
+              <a:t>する見込みの</a:t>
+            </a:r>
+            <a:r>
+              <a:rPr lang="ja-JP" altLang="en-US" u="sng" dirty="0">
+                <a:solidFill>
+                  <a:srgbClr val="FF0000"/>
+                </a:solidFill>
+                <a:latin typeface="メイリオ" panose="020B0604030504040204" pitchFamily="50" charset="-128"/>
+              </a:rPr>
+              <a:t>ある</a:t>
+            </a:r>
+            <a:r>
+              <a:rPr lang="ja-JP" altLang="en-US" dirty="0">
+                <a:latin typeface="メイリオ" panose="020B0604030504040204" pitchFamily="50" charset="-128"/>
+              </a:rPr>
+              <a:t>すべての個人および</a:t>
+            </a:r>
+            <a:r>
+              <a:rPr lang="ja-JP" altLang="en-US" dirty="0" smtClean="0">
+                <a:latin typeface="メイリオ" panose="020B0604030504040204" pitchFamily="50" charset="-128"/>
+              </a:rPr>
+              <a:t>組織体。</a:t>
+            </a:r>
+            <a:r>
+              <a:rPr lang="ja-JP" altLang="en-US" dirty="0" smtClean="0"/>
+              <a:t>」（コトバンクより）</a:t>
+            </a:r>
+            <a:endParaRPr kumimoji="1" lang="ja-JP" altLang="en-US" dirty="0"/>
           </a:p>
         </p:txBody>
       </p:sp>
@@ -7767,491 +7978,6 @@
               </a:rPr>
               <a:pPr/>
               <a:t>10</a:t>
-            </a:fld>
-            <a:endParaRPr lang="ja-JP" altLang="en-US">
-              <a:solidFill>
-                <a:srgbClr val="000000"/>
-              </a:solidFill>
-            </a:endParaRPr>
-          </a:p>
-        </p:txBody>
-      </p:sp>
-      <p:sp>
-        <p:nvSpPr>
-          <p:cNvPr id="12" name="角丸四角形 11"/>
-          <p:cNvSpPr/>
-          <p:nvPr/>
-        </p:nvSpPr>
-        <p:spPr>
-          <a:xfrm>
-            <a:off x="467544" y="4293096"/>
-            <a:ext cx="8424936" cy="1632938"/>
-          </a:xfrm>
-          <a:prstGeom prst="roundRect">
-            <a:avLst/>
-          </a:prstGeom>
-          <a:solidFill>
-            <a:schemeClr val="accent6">
-              <a:lumMod val="60000"/>
-              <a:lumOff val="40000"/>
-            </a:schemeClr>
-          </a:solidFill>
-          <a:ln>
-            <a:noFill/>
-          </a:ln>
-        </p:spPr>
-        <p:style>
-          <a:lnRef idx="2">
-            <a:schemeClr val="accent1">
-              <a:shade val="50000"/>
-            </a:schemeClr>
-          </a:lnRef>
-          <a:fillRef idx="1">
-            <a:schemeClr val="accent1"/>
-          </a:fillRef>
-          <a:effectRef idx="0">
-            <a:schemeClr val="accent1"/>
-          </a:effectRef>
-          <a:fontRef idx="minor">
-            <a:schemeClr val="lt1"/>
-          </a:fontRef>
-        </p:style>
-        <p:txBody>
-          <a:bodyPr rtlCol="0" anchor="ctr"/>
-          <a:lstStyle/>
-          <a:p>
-            <a:r>
-              <a:rPr lang="ja-JP" altLang="en-US" sz="2800" dirty="0" smtClean="0">
-                <a:solidFill>
-                  <a:schemeClr val="tx1"/>
-                </a:solidFill>
-                <a:latin typeface="メイリオ" panose="020B0604030504040204" pitchFamily="50" charset="-128"/>
-                <a:ea typeface="メイリオ" panose="020B0604030504040204" pitchFamily="50" charset="-128"/>
-              </a:rPr>
-              <a:t>プロダクト開発で注視すべきは「</a:t>
-            </a:r>
-            <a:r>
-              <a:rPr lang="ja-JP" altLang="en-US" sz="2800" dirty="0">
-                <a:solidFill>
-                  <a:schemeClr val="tx1"/>
-                </a:solidFill>
-                <a:latin typeface="メイリオ" panose="020B0604030504040204" pitchFamily="50" charset="-128"/>
-                <a:ea typeface="メイリオ" panose="020B0604030504040204" pitchFamily="50" charset="-128"/>
-              </a:rPr>
-              <a:t>マーケット</a:t>
-            </a:r>
-            <a:r>
-              <a:rPr lang="ja-JP" altLang="en-US" sz="2800" dirty="0" smtClean="0">
-                <a:solidFill>
-                  <a:schemeClr val="tx1"/>
-                </a:solidFill>
-                <a:latin typeface="メイリオ" panose="020B0604030504040204" pitchFamily="50" charset="-128"/>
-                <a:ea typeface="メイリオ" panose="020B0604030504040204" pitchFamily="50" charset="-128"/>
-              </a:rPr>
-              <a:t>のニーズを満たす」こと</a:t>
-            </a:r>
-            <a:r>
-              <a:rPr lang="ja-JP" altLang="en-US" sz="2800" dirty="0">
-                <a:solidFill>
-                  <a:schemeClr val="tx1"/>
-                </a:solidFill>
-                <a:latin typeface="メイリオ" panose="020B0604030504040204" pitchFamily="50" charset="-128"/>
-                <a:ea typeface="メイリオ" panose="020B0604030504040204" pitchFamily="50" charset="-128"/>
-              </a:rPr>
-              <a:t>であり</a:t>
-            </a:r>
-            <a:r>
-              <a:rPr lang="ja-JP" altLang="en-US" sz="2800" dirty="0" smtClean="0">
-                <a:solidFill>
-                  <a:schemeClr val="tx1"/>
-                </a:solidFill>
-                <a:latin typeface="メイリオ" panose="020B0604030504040204" pitchFamily="50" charset="-128"/>
-                <a:ea typeface="メイリオ" panose="020B0604030504040204" pitchFamily="50" charset="-128"/>
-              </a:rPr>
-              <a:t>、最も見るべきものは</a:t>
-            </a:r>
-            <a:r>
-              <a:rPr lang="ja-JP" altLang="en-US" sz="2800" b="1" dirty="0" smtClean="0">
-                <a:solidFill>
-                  <a:srgbClr val="FF0000"/>
-                </a:solidFill>
-                <a:latin typeface="メイリオ" panose="020B0604030504040204" pitchFamily="50" charset="-128"/>
-                <a:ea typeface="メイリオ" panose="020B0604030504040204" pitchFamily="50" charset="-128"/>
-              </a:rPr>
-              <a:t>マーケット</a:t>
-            </a:r>
-            <a:r>
-              <a:rPr lang="ja-JP" altLang="en-US" sz="2800" dirty="0" smtClean="0">
-                <a:solidFill>
-                  <a:schemeClr val="tx1"/>
-                </a:solidFill>
-                <a:latin typeface="メイリオ" panose="020B0604030504040204" pitchFamily="50" charset="-128"/>
-                <a:ea typeface="メイリオ" panose="020B0604030504040204" pitchFamily="50" charset="-128"/>
-              </a:rPr>
-              <a:t>になる。</a:t>
-            </a:r>
-            <a:endParaRPr lang="ja-JP" altLang="en-US" sz="2800" b="1" dirty="0">
-              <a:solidFill>
-                <a:srgbClr val="FF0000"/>
-              </a:solidFill>
-              <a:latin typeface="メイリオ" panose="020B0604030504040204" pitchFamily="50" charset="-128"/>
-              <a:ea typeface="メイリオ" panose="020B0604030504040204" pitchFamily="50" charset="-128"/>
-            </a:endParaRPr>
-          </a:p>
-        </p:txBody>
-      </p:sp>
-      <p:sp>
-        <p:nvSpPr>
-          <p:cNvPr id="13" name="コンテンツ プレースホルダー 2"/>
-          <p:cNvSpPr txBox="1">
-            <a:spLocks/>
-          </p:cNvSpPr>
-          <p:nvPr/>
-        </p:nvSpPr>
-        <p:spPr>
-          <a:xfrm>
-            <a:off x="539552" y="3717031"/>
-            <a:ext cx="8424936" cy="576065"/>
-          </a:xfrm>
-          <a:prstGeom prst="rect">
-            <a:avLst/>
-          </a:prstGeom>
-        </p:spPr>
-        <p:txBody>
-          <a:bodyPr vert="horz" lIns="91440" tIns="45720" rIns="91440" bIns="45720" rtlCol="0">
-            <a:normAutofit/>
-          </a:bodyPr>
-          <a:lstStyle>
-            <a:lvl1pPr marL="342900" indent="-342900" algn="l" defTabSz="914400" rtl="0" eaLnBrk="1" latinLnBrk="0" hangingPunct="1">
-              <a:spcBef>
-                <a:spcPct val="20000"/>
-              </a:spcBef>
-              <a:buFont typeface="Arial" panose="020B0604020202020204" pitchFamily="34" charset="0"/>
-              <a:buChar char="•"/>
-              <a:defRPr kumimoji="1" sz="2400" kern="1200" baseline="0">
-                <a:solidFill>
-                  <a:schemeClr val="tx1"/>
-                </a:solidFill>
-                <a:latin typeface="(日本語用のフォントを使用)"/>
-                <a:ea typeface="メイリオ" panose="020B0604030504040204" pitchFamily="50" charset="-128"/>
-                <a:cs typeface="+mn-cs"/>
-              </a:defRPr>
-            </a:lvl1pPr>
-            <a:lvl2pPr marL="742950" indent="-285750" algn="l" defTabSz="914400" rtl="0" eaLnBrk="1" latinLnBrk="0" hangingPunct="1">
-              <a:spcBef>
-                <a:spcPct val="20000"/>
-              </a:spcBef>
-              <a:buFont typeface="Arial" panose="020B0604020202020204" pitchFamily="34" charset="0"/>
-              <a:buChar char="–"/>
-              <a:defRPr kumimoji="1" sz="2000" kern="1200" baseline="0">
-                <a:solidFill>
-                  <a:schemeClr val="tx1"/>
-                </a:solidFill>
-                <a:latin typeface="(日本語用のフォントを使用)"/>
-                <a:ea typeface="メイリオ" panose="020B0604030504040204" pitchFamily="50" charset="-128"/>
-                <a:cs typeface="+mn-cs"/>
-              </a:defRPr>
-            </a:lvl2pPr>
-            <a:lvl3pPr marL="1143000" indent="-228600" algn="l" defTabSz="914400" rtl="0" eaLnBrk="1" latinLnBrk="0" hangingPunct="1">
-              <a:spcBef>
-                <a:spcPct val="20000"/>
-              </a:spcBef>
-              <a:buFont typeface="Arial" panose="020B0604020202020204" pitchFamily="34" charset="0"/>
-              <a:buChar char="•"/>
-              <a:defRPr kumimoji="1" sz="1800" kern="1200" baseline="0">
-                <a:solidFill>
-                  <a:schemeClr val="tx1"/>
-                </a:solidFill>
-                <a:latin typeface="(日本語用のフォントを使用)"/>
-                <a:ea typeface="メイリオ" panose="020B0604030504040204" pitchFamily="50" charset="-128"/>
-                <a:cs typeface="+mn-cs"/>
-              </a:defRPr>
-            </a:lvl3pPr>
-            <a:lvl4pPr marL="1600200" indent="-228600" algn="l" defTabSz="914400" rtl="0" eaLnBrk="1" latinLnBrk="0" hangingPunct="1">
-              <a:spcBef>
-                <a:spcPct val="20000"/>
-              </a:spcBef>
-              <a:buFont typeface="Arial" panose="020B0604020202020204" pitchFamily="34" charset="0"/>
-              <a:buChar char="–"/>
-              <a:defRPr kumimoji="1" sz="1600" kern="1200" baseline="0">
-                <a:solidFill>
-                  <a:schemeClr val="tx1"/>
-                </a:solidFill>
-                <a:latin typeface="(日本語用のフォントを使用)"/>
-                <a:ea typeface="メイリオ" panose="020B0604030504040204" pitchFamily="50" charset="-128"/>
-                <a:cs typeface="+mn-cs"/>
-              </a:defRPr>
-            </a:lvl4pPr>
-            <a:lvl5pPr marL="2057400" indent="-228600" algn="l" defTabSz="914400" rtl="0" eaLnBrk="1" latinLnBrk="0" hangingPunct="1">
-              <a:spcBef>
-                <a:spcPct val="20000"/>
-              </a:spcBef>
-              <a:buFont typeface="Arial" panose="020B0604020202020204" pitchFamily="34" charset="0"/>
-              <a:buChar char="»"/>
-              <a:defRPr kumimoji="1" sz="1600" kern="1200" baseline="0">
-                <a:solidFill>
-                  <a:schemeClr val="tx1"/>
-                </a:solidFill>
-                <a:latin typeface="(日本語用のフォントを使用)"/>
-                <a:ea typeface="メイリオ" panose="020B0604030504040204" pitchFamily="50" charset="-128"/>
-                <a:cs typeface="+mn-cs"/>
-              </a:defRPr>
-            </a:lvl5pPr>
-            <a:lvl6pPr marL="2514600" indent="-228600" algn="l" defTabSz="914400" rtl="0" eaLnBrk="1" latinLnBrk="0" hangingPunct="1">
-              <a:spcBef>
-                <a:spcPct val="20000"/>
-              </a:spcBef>
-              <a:buFont typeface="Arial" panose="020B0604020202020204" pitchFamily="34" charset="0"/>
-              <a:buChar char="•"/>
-              <a:defRPr kumimoji="1" sz="2000" kern="1200">
-                <a:solidFill>
-                  <a:schemeClr val="tx1"/>
-                </a:solidFill>
-                <a:latin typeface="+mn-lt"/>
-                <a:ea typeface="+mn-ea"/>
-                <a:cs typeface="+mn-cs"/>
-              </a:defRPr>
-            </a:lvl6pPr>
-            <a:lvl7pPr marL="2971800" indent="-228600" algn="l" defTabSz="914400" rtl="0" eaLnBrk="1" latinLnBrk="0" hangingPunct="1">
-              <a:spcBef>
-                <a:spcPct val="20000"/>
-              </a:spcBef>
-              <a:buFont typeface="Arial" panose="020B0604020202020204" pitchFamily="34" charset="0"/>
-              <a:buChar char="•"/>
-              <a:defRPr kumimoji="1" sz="2000" kern="1200">
-                <a:solidFill>
-                  <a:schemeClr val="tx1"/>
-                </a:solidFill>
-                <a:latin typeface="+mn-lt"/>
-                <a:ea typeface="+mn-ea"/>
-                <a:cs typeface="+mn-cs"/>
-              </a:defRPr>
-            </a:lvl7pPr>
-            <a:lvl8pPr marL="3429000" indent="-228600" algn="l" defTabSz="914400" rtl="0" eaLnBrk="1" latinLnBrk="0" hangingPunct="1">
-              <a:spcBef>
-                <a:spcPct val="20000"/>
-              </a:spcBef>
-              <a:buFont typeface="Arial" panose="020B0604020202020204" pitchFamily="34" charset="0"/>
-              <a:buChar char="•"/>
-              <a:defRPr kumimoji="1" sz="2000" kern="1200">
-                <a:solidFill>
-                  <a:schemeClr val="tx1"/>
-                </a:solidFill>
-                <a:latin typeface="+mn-lt"/>
-                <a:ea typeface="+mn-ea"/>
-                <a:cs typeface="+mn-cs"/>
-              </a:defRPr>
-            </a:lvl8pPr>
-            <a:lvl9pPr marL="3886200" indent="-228600" algn="l" defTabSz="914400" rtl="0" eaLnBrk="1" latinLnBrk="0" hangingPunct="1">
-              <a:spcBef>
-                <a:spcPct val="20000"/>
-              </a:spcBef>
-              <a:buFont typeface="Arial" panose="020B0604020202020204" pitchFamily="34" charset="0"/>
-              <a:buChar char="•"/>
-              <a:defRPr kumimoji="1" sz="2000" kern="1200">
-                <a:solidFill>
-                  <a:schemeClr val="tx1"/>
-                </a:solidFill>
-                <a:latin typeface="+mn-lt"/>
-                <a:ea typeface="+mn-ea"/>
-                <a:cs typeface="+mn-cs"/>
-              </a:defRPr>
-            </a:lvl9pPr>
-          </a:lstStyle>
-          <a:p>
-            <a:pPr marL="0" indent="0">
-              <a:buNone/>
-            </a:pPr>
-            <a:r>
-              <a:rPr lang="ja-JP" altLang="en-US" sz="1400" dirty="0">
-                <a:latin typeface="メイリオ"/>
-              </a:rPr>
-              <a:t>そのため</a:t>
-            </a:r>
-            <a:r>
-              <a:rPr lang="ja-JP" altLang="en-US" sz="2800" b="1" dirty="0" smtClean="0">
-                <a:latin typeface="メイリオ" panose="020B0604030504040204" pitchFamily="50" charset="-128"/>
-              </a:rPr>
-              <a:t>プロダクトオーナー</a:t>
-            </a:r>
-            <a:r>
-              <a:rPr lang="ja-JP" altLang="en-US" sz="1400" dirty="0" smtClean="0"/>
-              <a:t>は以下を意識する必要がある。</a:t>
-            </a:r>
-            <a:endParaRPr lang="en-US" altLang="ja-JP" sz="2800" dirty="0" smtClean="0"/>
-          </a:p>
-        </p:txBody>
-      </p:sp>
-    </p:spTree>
-    <p:extLst>
-      <p:ext uri="{BB962C8B-B14F-4D97-AF65-F5344CB8AC3E}">
-        <p14:creationId xmlns:p14="http://schemas.microsoft.com/office/powerpoint/2010/main" val="1800836744"/>
-      </p:ext>
-    </p:extLst>
-  </p:cSld>
-  <p:clrMapOvr>
-    <a:masterClrMapping/>
-  </p:clrMapOvr>
-  <p:timing>
-    <p:tnLst>
-      <p:par>
-        <p:cTn id="1" dur="indefinite" restart="never" nodeType="tmRoot"/>
-      </p:par>
-    </p:tnLst>
-  </p:timing>
-</p:sld>
-</file>
-
-<file path=ppt/slides/slide11.xml><?xml version="1.0" encoding="utf-8"?>
-<p:sld xmlns:a="http://schemas.openxmlformats.org/drawingml/2006/main" xmlns:r="http://schemas.openxmlformats.org/officeDocument/2006/relationships" xmlns:p="http://schemas.openxmlformats.org/presentationml/2006/main">
-  <p:cSld>
-    <p:spTree>
-      <p:nvGrpSpPr>
-        <p:cNvPr id="1" name=""/>
-        <p:cNvGrpSpPr/>
-        <p:nvPr/>
-      </p:nvGrpSpPr>
-      <p:grpSpPr>
-        <a:xfrm>
-          <a:off x="0" y="0"/>
-          <a:ext cx="0" cy="0"/>
-          <a:chOff x="0" y="0"/>
-          <a:chExt cx="0" cy="0"/>
-        </a:xfrm>
-      </p:grpSpPr>
-      <p:sp>
-        <p:nvSpPr>
-          <p:cNvPr id="2" name="タイトル 1"/>
-          <p:cNvSpPr>
-            <a:spLocks noGrp="1"/>
-          </p:cNvSpPr>
-          <p:nvPr>
-            <p:ph type="title"/>
-          </p:nvPr>
-        </p:nvSpPr>
-        <p:spPr/>
-        <p:txBody>
-          <a:bodyPr/>
-          <a:lstStyle/>
-          <a:p>
-            <a:r>
-              <a:rPr kumimoji="1" lang="ja-JP" altLang="en-US" dirty="0" smtClean="0"/>
-              <a:t>マーケットの対象（</a:t>
-            </a:r>
-            <a:r>
-              <a:rPr lang="ja-JP" altLang="en-US" dirty="0"/>
-              <a:t>一般的</a:t>
-            </a:r>
-            <a:r>
-              <a:rPr lang="ja-JP" altLang="en-US" dirty="0" smtClean="0"/>
-              <a:t>な領域</a:t>
-            </a:r>
-            <a:r>
-              <a:rPr kumimoji="1" lang="ja-JP" altLang="en-US" dirty="0" smtClean="0"/>
-              <a:t>）</a:t>
-            </a:r>
-            <a:endParaRPr kumimoji="1" lang="ja-JP" altLang="en-US" dirty="0"/>
-          </a:p>
-        </p:txBody>
-      </p:sp>
-      <p:sp>
-        <p:nvSpPr>
-          <p:cNvPr id="3" name="コンテンツ プレースホルダー 2"/>
-          <p:cNvSpPr>
-            <a:spLocks noGrp="1"/>
-          </p:cNvSpPr>
-          <p:nvPr>
-            <p:ph idx="1"/>
-          </p:nvPr>
-        </p:nvSpPr>
-        <p:spPr/>
-        <p:txBody>
-          <a:bodyPr/>
-          <a:lstStyle/>
-          <a:p>
-            <a:pPr marL="0" indent="0">
-              <a:buNone/>
-            </a:pPr>
-            <a:r>
-              <a:rPr lang="ja-JP" altLang="en-US" dirty="0" smtClean="0"/>
-              <a:t>「</a:t>
-            </a:r>
-            <a:r>
-              <a:rPr lang="ja-JP" altLang="en-US" dirty="0">
-                <a:latin typeface="メイリオ" panose="020B0604030504040204" pitchFamily="50" charset="-128"/>
-              </a:rPr>
-              <a:t>商品やサービスを購買している、あるいは</a:t>
-            </a:r>
-            <a:r>
-              <a:rPr lang="ja-JP" altLang="en-US" u="sng" dirty="0">
-                <a:solidFill>
-                  <a:srgbClr val="FF0000"/>
-                </a:solidFill>
-                <a:latin typeface="メイリオ" panose="020B0604030504040204" pitchFamily="50" charset="-128"/>
-              </a:rPr>
-              <a:t>購買</a:t>
-            </a:r>
-            <a:r>
-              <a:rPr lang="ja-JP" altLang="en-US" u="sng" dirty="0" smtClean="0">
-                <a:solidFill>
-                  <a:srgbClr val="FF0000"/>
-                </a:solidFill>
-                <a:latin typeface="メイリオ" panose="020B0604030504040204" pitchFamily="50" charset="-128"/>
-              </a:rPr>
-              <a:t>する見込みの</a:t>
-            </a:r>
-            <a:r>
-              <a:rPr lang="ja-JP" altLang="en-US" u="sng" dirty="0">
-                <a:solidFill>
-                  <a:srgbClr val="FF0000"/>
-                </a:solidFill>
-                <a:latin typeface="メイリオ" panose="020B0604030504040204" pitchFamily="50" charset="-128"/>
-              </a:rPr>
-              <a:t>ある</a:t>
-            </a:r>
-            <a:r>
-              <a:rPr lang="ja-JP" altLang="en-US" dirty="0">
-                <a:latin typeface="メイリオ" panose="020B0604030504040204" pitchFamily="50" charset="-128"/>
-              </a:rPr>
-              <a:t>すべての個人および</a:t>
-            </a:r>
-            <a:r>
-              <a:rPr lang="ja-JP" altLang="en-US" dirty="0" smtClean="0">
-                <a:latin typeface="メイリオ" panose="020B0604030504040204" pitchFamily="50" charset="-128"/>
-              </a:rPr>
-              <a:t>組織体。</a:t>
-            </a:r>
-            <a:r>
-              <a:rPr lang="ja-JP" altLang="en-US" dirty="0" smtClean="0"/>
-              <a:t>」（コトバンクより）</a:t>
-            </a:r>
-            <a:endParaRPr kumimoji="1" lang="ja-JP" altLang="en-US" dirty="0"/>
-          </a:p>
-        </p:txBody>
-      </p:sp>
-      <p:sp>
-        <p:nvSpPr>
-          <p:cNvPr id="4" name="スライド番号プレースホルダー 3"/>
-          <p:cNvSpPr>
-            <a:spLocks noGrp="1"/>
-          </p:cNvSpPr>
-          <p:nvPr>
-            <p:ph type="sldNum" sz="quarter" idx="10"/>
-          </p:nvPr>
-        </p:nvSpPr>
-        <p:spPr/>
-        <p:txBody>
-          <a:bodyPr/>
-          <a:lstStyle/>
-          <a:p>
-            <a:fld id="{B4D007DB-033F-4D0E-8F1F-F48F905DCDAE}" type="slidenum">
-              <a:rPr lang="ja-JP" altLang="en-US" smtClean="0">
-                <a:solidFill>
-                  <a:srgbClr val="000000"/>
-                </a:solidFill>
-              </a:rPr>
-              <a:pPr/>
-              <a:t>11</a:t>
             </a:fld>
             <a:endParaRPr lang="ja-JP" altLang="en-US">
               <a:solidFill>
@@ -8499,7 +8225,7 @@
 </p:sld>
 </file>
 
-<file path=ppt/slides/slide12.xml><?xml version="1.0" encoding="utf-8"?>
+<file path=ppt/slides/slide11.xml><?xml version="1.0" encoding="utf-8"?>
 <p:sld xmlns:a="http://schemas.openxmlformats.org/drawingml/2006/main" xmlns:r="http://schemas.openxmlformats.org/officeDocument/2006/relationships" xmlns:p="http://schemas.openxmlformats.org/presentationml/2006/main">
   <p:cSld>
     <p:spTree>
@@ -8653,7 +8379,7 @@
                 </a:solidFill>
               </a:rPr>
               <a:pPr/>
-              <a:t>12</a:t>
+              <a:t>11</a:t>
             </a:fld>
             <a:endParaRPr lang="ja-JP" altLang="en-US">
               <a:solidFill>
@@ -9679,7 +9405,7 @@
 </p:sld>
 </file>
 
-<file path=ppt/slides/slide13.xml><?xml version="1.0" encoding="utf-8"?>
+<file path=ppt/slides/slide12.xml><?xml version="1.0" encoding="utf-8"?>
 <p:sld xmlns:a="http://schemas.openxmlformats.org/drawingml/2006/main" xmlns:r="http://schemas.openxmlformats.org/officeDocument/2006/relationships" xmlns:p="http://schemas.openxmlformats.org/presentationml/2006/main">
   <p:cSld>
     <p:spTree>
@@ -10014,7 +9740,7 @@
                 </a:solidFill>
               </a:rPr>
               <a:pPr/>
-              <a:t>13</a:t>
+              <a:t>12</a:t>
             </a:fld>
             <a:endParaRPr lang="ja-JP" altLang="en-US">
               <a:solidFill>
@@ -10028,6 +9754,98 @@
     <p:extLst>
       <p:ext uri="{BB962C8B-B14F-4D97-AF65-F5344CB8AC3E}">
         <p14:creationId xmlns:p14="http://schemas.microsoft.com/office/powerpoint/2010/main" val="1511624930"/>
+      </p:ext>
+    </p:extLst>
+  </p:cSld>
+  <p:clrMapOvr>
+    <a:masterClrMapping/>
+  </p:clrMapOvr>
+  <p:timing>
+    <p:tnLst>
+      <p:par>
+        <p:cTn id="1" dur="indefinite" restart="never" nodeType="tmRoot"/>
+      </p:par>
+    </p:tnLst>
+  </p:timing>
+</p:sld>
+</file>
+
+<file path=ppt/slides/slide13.xml><?xml version="1.0" encoding="utf-8"?>
+<p:sld xmlns:a="http://schemas.openxmlformats.org/drawingml/2006/main" xmlns:r="http://schemas.openxmlformats.org/officeDocument/2006/relationships" xmlns:p="http://schemas.openxmlformats.org/presentationml/2006/main">
+  <p:cSld>
+    <p:spTree>
+      <p:nvGrpSpPr>
+        <p:cNvPr id="1" name=""/>
+        <p:cNvGrpSpPr/>
+        <p:nvPr/>
+      </p:nvGrpSpPr>
+      <p:grpSpPr>
+        <a:xfrm>
+          <a:off x="0" y="0"/>
+          <a:ext cx="0" cy="0"/>
+          <a:chOff x="0" y="0"/>
+          <a:chExt cx="0" cy="0"/>
+        </a:xfrm>
+      </p:grpSpPr>
+      <p:sp>
+        <p:nvSpPr>
+          <p:cNvPr id="2" name="タイトル 1"/>
+          <p:cNvSpPr>
+            <a:spLocks noGrp="1"/>
+          </p:cNvSpPr>
+          <p:nvPr>
+            <p:ph type="title"/>
+          </p:nvPr>
+        </p:nvSpPr>
+        <p:spPr/>
+        <p:txBody>
+          <a:bodyPr/>
+          <a:lstStyle/>
+          <a:p>
+            <a:r>
+              <a:rPr lang="ja-JP" altLang="en-US" dirty="0" smtClean="0"/>
+              <a:t>プロダクトオーナーの役割</a:t>
+            </a:r>
+            <a:endParaRPr kumimoji="1" lang="ja-JP" altLang="en-US" dirty="0"/>
+          </a:p>
+        </p:txBody>
+      </p:sp>
+      <p:sp>
+        <p:nvSpPr>
+          <p:cNvPr id="3" name="スライド番号プレースホルダー 2"/>
+          <p:cNvSpPr>
+            <a:spLocks noGrp="1"/>
+          </p:cNvSpPr>
+          <p:nvPr>
+            <p:ph type="sldNum" sz="quarter" idx="10"/>
+          </p:nvPr>
+        </p:nvSpPr>
+        <p:spPr/>
+        <p:txBody>
+          <a:bodyPr/>
+          <a:lstStyle/>
+          <a:p>
+            <a:fld id="{B4D007DB-033F-4D0E-8F1F-F48F905DCDAE}" type="slidenum">
+              <a:rPr lang="ja-JP" altLang="en-US" smtClean="0">
+                <a:solidFill>
+                  <a:srgbClr val="000000"/>
+                </a:solidFill>
+              </a:rPr>
+              <a:pPr/>
+              <a:t>13</a:t>
+            </a:fld>
+            <a:endParaRPr lang="ja-JP" altLang="en-US" dirty="0">
+              <a:solidFill>
+                <a:srgbClr val="000000"/>
+              </a:solidFill>
+            </a:endParaRPr>
+          </a:p>
+        </p:txBody>
+      </p:sp>
+    </p:spTree>
+    <p:extLst>
+      <p:ext uri="{BB962C8B-B14F-4D97-AF65-F5344CB8AC3E}">
+        <p14:creationId xmlns:p14="http://schemas.microsoft.com/office/powerpoint/2010/main" val="3099348189"/>
       </p:ext>
     </p:extLst>
   </p:cSld>
@@ -10078,98 +9896,6 @@
           <a:p>
             <a:r>
               <a:rPr lang="ja-JP" altLang="en-US" dirty="0" smtClean="0"/>
-              <a:t>プロダクトオーナーの役割</a:t>
-            </a:r>
-            <a:endParaRPr kumimoji="1" lang="ja-JP" altLang="en-US" dirty="0"/>
-          </a:p>
-        </p:txBody>
-      </p:sp>
-      <p:sp>
-        <p:nvSpPr>
-          <p:cNvPr id="3" name="スライド番号プレースホルダー 2"/>
-          <p:cNvSpPr>
-            <a:spLocks noGrp="1"/>
-          </p:cNvSpPr>
-          <p:nvPr>
-            <p:ph type="sldNum" sz="quarter" idx="10"/>
-          </p:nvPr>
-        </p:nvSpPr>
-        <p:spPr/>
-        <p:txBody>
-          <a:bodyPr/>
-          <a:lstStyle/>
-          <a:p>
-            <a:fld id="{B4D007DB-033F-4D0E-8F1F-F48F905DCDAE}" type="slidenum">
-              <a:rPr lang="ja-JP" altLang="en-US" smtClean="0">
-                <a:solidFill>
-                  <a:srgbClr val="000000"/>
-                </a:solidFill>
-              </a:rPr>
-              <a:pPr/>
-              <a:t>14</a:t>
-            </a:fld>
-            <a:endParaRPr lang="ja-JP" altLang="en-US" dirty="0">
-              <a:solidFill>
-                <a:srgbClr val="000000"/>
-              </a:solidFill>
-            </a:endParaRPr>
-          </a:p>
-        </p:txBody>
-      </p:sp>
-    </p:spTree>
-    <p:extLst>
-      <p:ext uri="{BB962C8B-B14F-4D97-AF65-F5344CB8AC3E}">
-        <p14:creationId xmlns:p14="http://schemas.microsoft.com/office/powerpoint/2010/main" val="3099348189"/>
-      </p:ext>
-    </p:extLst>
-  </p:cSld>
-  <p:clrMapOvr>
-    <a:masterClrMapping/>
-  </p:clrMapOvr>
-  <p:timing>
-    <p:tnLst>
-      <p:par>
-        <p:cTn id="1" dur="indefinite" restart="never" nodeType="tmRoot"/>
-      </p:par>
-    </p:tnLst>
-  </p:timing>
-</p:sld>
-</file>
-
-<file path=ppt/slides/slide15.xml><?xml version="1.0" encoding="utf-8"?>
-<p:sld xmlns:a="http://schemas.openxmlformats.org/drawingml/2006/main" xmlns:r="http://schemas.openxmlformats.org/officeDocument/2006/relationships" xmlns:p="http://schemas.openxmlformats.org/presentationml/2006/main">
-  <p:cSld>
-    <p:spTree>
-      <p:nvGrpSpPr>
-        <p:cNvPr id="1" name=""/>
-        <p:cNvGrpSpPr/>
-        <p:nvPr/>
-      </p:nvGrpSpPr>
-      <p:grpSpPr>
-        <a:xfrm>
-          <a:off x="0" y="0"/>
-          <a:ext cx="0" cy="0"/>
-          <a:chOff x="0" y="0"/>
-          <a:chExt cx="0" cy="0"/>
-        </a:xfrm>
-      </p:grpSpPr>
-      <p:sp>
-        <p:nvSpPr>
-          <p:cNvPr id="2" name="タイトル 1"/>
-          <p:cNvSpPr>
-            <a:spLocks noGrp="1"/>
-          </p:cNvSpPr>
-          <p:nvPr>
-            <p:ph type="title"/>
-          </p:nvPr>
-        </p:nvSpPr>
-        <p:spPr/>
-        <p:txBody>
-          <a:bodyPr/>
-          <a:lstStyle/>
-          <a:p>
-            <a:r>
-              <a:rPr lang="ja-JP" altLang="en-US" dirty="0" smtClean="0"/>
               <a:t>プロダクトオーナー</a:t>
             </a:r>
             <a:r>
@@ -10202,7 +9928,7 @@
                 </a:solidFill>
               </a:rPr>
               <a:pPr/>
-              <a:t>15</a:t>
+              <a:t>14</a:t>
             </a:fld>
             <a:endParaRPr lang="ja-JP" altLang="en-US">
               <a:solidFill>
@@ -10696,7 +10422,7 @@
 </p:sld>
 </file>
 
-<file path=ppt/slides/slide16.xml><?xml version="1.0" encoding="utf-8"?>
+<file path=ppt/slides/slide15.xml><?xml version="1.0" encoding="utf-8"?>
 <p:sld xmlns:a="http://schemas.openxmlformats.org/drawingml/2006/main" xmlns:r="http://schemas.openxmlformats.org/officeDocument/2006/relationships" xmlns:p="http://schemas.openxmlformats.org/presentationml/2006/main">
   <p:cSld>
     <p:spTree>
@@ -10790,7 +10516,7 @@
                 </a:solidFill>
               </a:rPr>
               <a:pPr/>
-              <a:t>16</a:t>
+              <a:t>15</a:t>
             </a:fld>
             <a:endParaRPr lang="ja-JP" altLang="en-US">
               <a:solidFill>
@@ -11255,7 +10981,7 @@
 </p:sld>
 </file>
 
-<file path=ppt/slides/slide17.xml><?xml version="1.0" encoding="utf-8"?>
+<file path=ppt/slides/slide16.xml><?xml version="1.0" encoding="utf-8"?>
 <p:sld xmlns:a="http://schemas.openxmlformats.org/drawingml/2006/main" xmlns:r="http://schemas.openxmlformats.org/officeDocument/2006/relationships" xmlns:p="http://schemas.openxmlformats.org/presentationml/2006/main">
   <p:cSld>
     <p:spTree>
@@ -11375,7 +11101,7 @@
                 </a:solidFill>
               </a:rPr>
               <a:pPr/>
-              <a:t>17</a:t>
+              <a:t>16</a:t>
             </a:fld>
             <a:endParaRPr lang="ja-JP" altLang="en-US">
               <a:solidFill>
@@ -11739,7 +11465,7 @@
 </p:sld>
 </file>
 
-<file path=ppt/slides/slide18.xml><?xml version="1.0" encoding="utf-8"?>
+<file path=ppt/slides/slide17.xml><?xml version="1.0" encoding="utf-8"?>
 <p:sld xmlns:a="http://schemas.openxmlformats.org/drawingml/2006/main" xmlns:r="http://schemas.openxmlformats.org/officeDocument/2006/relationships" xmlns:p="http://schemas.openxmlformats.org/presentationml/2006/main">
   <p:cSld>
     <p:spTree>
@@ -11915,7 +11641,7 @@
                 </a:solidFill>
               </a:rPr>
               <a:pPr/>
-              <a:t>18</a:t>
+              <a:t>17</a:t>
             </a:fld>
             <a:endParaRPr lang="ja-JP" altLang="en-US">
               <a:solidFill>
@@ -12356,7 +12082,7 @@
 </p:sld>
 </file>
 
-<file path=ppt/slides/slide19.xml><?xml version="1.0" encoding="utf-8"?>
+<file path=ppt/slides/slide18.xml><?xml version="1.0" encoding="utf-8"?>
 <p:sld xmlns:a="http://schemas.openxmlformats.org/drawingml/2006/main" xmlns:r="http://schemas.openxmlformats.org/officeDocument/2006/relationships" xmlns:p="http://schemas.openxmlformats.org/presentationml/2006/main">
   <p:cSld>
     <p:spTree>
@@ -12614,7 +12340,7 @@
                 </a:solidFill>
               </a:rPr>
               <a:pPr/>
-              <a:t>19</a:t>
+              <a:t>18</a:t>
             </a:fld>
             <a:endParaRPr lang="ja-JP" altLang="en-US">
               <a:solidFill>
@@ -13080,7 +12806,7 @@
 </p:sld>
 </file>
 
-<file path=ppt/slides/slide2.xml><?xml version="1.0" encoding="utf-8"?>
+<file path=ppt/slides/slide19.xml><?xml version="1.0" encoding="utf-8"?>
 <p:sld xmlns:a="http://schemas.openxmlformats.org/drawingml/2006/main" xmlns:r="http://schemas.openxmlformats.org/officeDocument/2006/relationships" xmlns:p="http://schemas.openxmlformats.org/presentationml/2006/main">
   <p:cSld>
     <p:spTree>
@@ -13114,7 +12840,7 @@
           <a:p>
             <a:r>
               <a:rPr kumimoji="1" lang="ja-JP" altLang="en-US" dirty="0" smtClean="0"/>
-              <a:t>目次</a:t>
+              <a:t>経済性の管理</a:t>
             </a:r>
             <a:endParaRPr kumimoji="1" lang="ja-JP" altLang="en-US" dirty="0"/>
           </a:p>
@@ -13135,52 +12861,20 @@
           <a:bodyPr/>
           <a:lstStyle/>
           <a:p>
-            <a:pPr marL="457200" indent="-457200">
-              <a:buFont typeface="+mj-lt"/>
-              <a:buAutoNum type="arabicPeriod"/>
+            <a:pPr marL="0" indent="0">
+              <a:buNone/>
             </a:pPr>
             <a:r>
-              <a:rPr lang="ja-JP" altLang="en-US" dirty="0" smtClean="0"/>
-              <a:t>プロダクトオーナーとは</a:t>
-            </a:r>
-            <a:endParaRPr lang="en-US" altLang="ja-JP" dirty="0" smtClean="0"/>
-          </a:p>
-          <a:p>
-            <a:pPr marL="457200" indent="-457200">
-              <a:buFont typeface="+mj-lt"/>
-              <a:buAutoNum type="arabicPeriod"/>
+              <a:rPr kumimoji="1" lang="ja-JP" altLang="en-US" dirty="0" smtClean="0"/>
+              <a:t>経済性の管理とは</a:t>
+            </a:r>
+            <a:endParaRPr kumimoji="1" lang="en-US" altLang="ja-JP" dirty="0" smtClean="0"/>
+          </a:p>
+          <a:p>
+            <a:pPr marL="0" indent="0">
+              <a:buNone/>
             </a:pPr>
-            <a:r>
-              <a:rPr lang="ja-JP" altLang="en-US" dirty="0"/>
-              <a:t>プロジェクトマネージャーとの</a:t>
-            </a:r>
-            <a:r>
-              <a:rPr lang="ja-JP" altLang="en-US" dirty="0" smtClean="0"/>
-              <a:t>違い</a:t>
-            </a:r>
-            <a:endParaRPr lang="en-US" altLang="ja-JP" dirty="0" smtClean="0"/>
-          </a:p>
-          <a:p>
-            <a:pPr marL="457200" indent="-457200">
-              <a:buFont typeface="+mj-lt"/>
-              <a:buAutoNum type="arabicPeriod"/>
-            </a:pPr>
-            <a:r>
-              <a:rPr lang="ja-JP" altLang="en-US" dirty="0" smtClean="0"/>
-              <a:t>プロダクトオーナーの役割</a:t>
-            </a:r>
-            <a:endParaRPr lang="en-US" altLang="ja-JP" dirty="0" smtClean="0"/>
-          </a:p>
-          <a:p>
-            <a:pPr marL="457200" indent="-457200">
-              <a:buFont typeface="+mj-lt"/>
-              <a:buAutoNum type="arabicPeriod"/>
-            </a:pPr>
-            <a:r>
-              <a:rPr lang="ja-JP" altLang="en-US" dirty="0" smtClean="0"/>
-              <a:t>各セレモニーでの関わりについて</a:t>
-            </a:r>
-            <a:endParaRPr lang="en-US" altLang="ja-JP" dirty="0" smtClean="0"/>
+            <a:endParaRPr kumimoji="1" lang="ja-JP" altLang="en-US" dirty="0"/>
           </a:p>
         </p:txBody>
       </p:sp>
@@ -13206,131 +12900,7 @@
                 </a:solidFill>
               </a:rPr>
               <a:pPr/>
-              <a:t>2</a:t>
-            </a:fld>
-            <a:endParaRPr lang="ja-JP" altLang="en-US">
-              <a:solidFill>
-                <a:srgbClr val="000000"/>
-              </a:solidFill>
-            </a:endParaRPr>
-          </a:p>
-        </p:txBody>
-      </p:sp>
-    </p:spTree>
-    <p:extLst>
-      <p:ext uri="{BB962C8B-B14F-4D97-AF65-F5344CB8AC3E}">
-        <p14:creationId xmlns:p14="http://schemas.microsoft.com/office/powerpoint/2010/main" val="2270931992"/>
-      </p:ext>
-    </p:extLst>
-  </p:cSld>
-  <p:clrMapOvr>
-    <a:masterClrMapping/>
-  </p:clrMapOvr>
-  <p:timing>
-    <p:tnLst>
-      <p:par>
-        <p:cTn id="1" dur="indefinite" restart="never" nodeType="tmRoot"/>
-      </p:par>
-    </p:tnLst>
-  </p:timing>
-</p:sld>
-</file>
-
-<file path=ppt/slides/slide20.xml><?xml version="1.0" encoding="utf-8"?>
-<p:sld xmlns:a="http://schemas.openxmlformats.org/drawingml/2006/main" xmlns:r="http://schemas.openxmlformats.org/officeDocument/2006/relationships" xmlns:p="http://schemas.openxmlformats.org/presentationml/2006/main">
-  <p:cSld>
-    <p:spTree>
-      <p:nvGrpSpPr>
-        <p:cNvPr id="1" name=""/>
-        <p:cNvGrpSpPr/>
-        <p:nvPr/>
-      </p:nvGrpSpPr>
-      <p:grpSpPr>
-        <a:xfrm>
-          <a:off x="0" y="0"/>
-          <a:ext cx="0" cy="0"/>
-          <a:chOff x="0" y="0"/>
-          <a:chExt cx="0" cy="0"/>
-        </a:xfrm>
-      </p:grpSpPr>
-      <p:sp>
-        <p:nvSpPr>
-          <p:cNvPr id="2" name="タイトル 1"/>
-          <p:cNvSpPr>
-            <a:spLocks noGrp="1"/>
-          </p:cNvSpPr>
-          <p:nvPr>
-            <p:ph type="title"/>
-          </p:nvPr>
-        </p:nvSpPr>
-        <p:spPr/>
-        <p:txBody>
-          <a:bodyPr/>
-          <a:lstStyle/>
-          <a:p>
-            <a:r>
-              <a:rPr kumimoji="1" lang="ja-JP" altLang="en-US" dirty="0" smtClean="0"/>
-              <a:t>経済性の管理</a:t>
-            </a:r>
-            <a:endParaRPr kumimoji="1" lang="ja-JP" altLang="en-US" dirty="0"/>
-          </a:p>
-        </p:txBody>
-      </p:sp>
-      <p:sp>
-        <p:nvSpPr>
-          <p:cNvPr id="3" name="コンテンツ プレースホルダー 2"/>
-          <p:cNvSpPr>
-            <a:spLocks noGrp="1"/>
-          </p:cNvSpPr>
-          <p:nvPr>
-            <p:ph idx="1"/>
-          </p:nvPr>
-        </p:nvSpPr>
-        <p:spPr/>
-        <p:txBody>
-          <a:bodyPr/>
-          <a:lstStyle/>
-          <a:p>
-            <a:pPr marL="0" indent="0">
-              <a:buNone/>
-            </a:pPr>
-            <a:r>
-              <a:rPr kumimoji="1" lang="ja-JP" altLang="en-US" dirty="0" smtClean="0"/>
-              <a:t>経済性の管理とは</a:t>
-            </a:r>
-            <a:endParaRPr kumimoji="1" lang="en-US" altLang="ja-JP" dirty="0" smtClean="0"/>
-          </a:p>
-          <a:p>
-            <a:pPr marL="0" indent="0">
-              <a:buNone/>
-            </a:pPr>
-            <a:endParaRPr kumimoji="1" lang="ja-JP" altLang="en-US" dirty="0"/>
-          </a:p>
-        </p:txBody>
-      </p:sp>
-      <p:sp>
-        <p:nvSpPr>
-          <p:cNvPr id="4" name="スライド番号プレースホルダー 3"/>
-          <p:cNvSpPr>
-            <a:spLocks noGrp="1"/>
-          </p:cNvSpPr>
-          <p:nvPr>
-            <p:ph type="sldNum" sz="quarter" idx="10"/>
-          </p:nvPr>
-        </p:nvSpPr>
-        <p:spPr/>
-        <p:txBody>
-          <a:bodyPr/>
-          <a:lstStyle/>
-          <a:p>
-            <a:fld id="{B4D007DB-033F-4D0E-8F1F-F48F905DCDAE}" type="slidenum">
-              <a:rPr lang="ja-JP" altLang="en-US" smtClean="0">
-                <a:solidFill>
-                  <a:srgbClr val="000000"/>
-                </a:solidFill>
-              </a:rPr>
-              <a:pPr/>
-              <a:t>20</a:t>
+              <a:t>19</a:t>
             </a:fld>
             <a:endParaRPr lang="ja-JP" altLang="en-US">
               <a:solidFill>
@@ -13752,7 +13322,7 @@
 </p:sld>
 </file>
 
-<file path=ppt/slides/slide21.xml><?xml version="1.0" encoding="utf-8"?>
+<file path=ppt/slides/slide2.xml><?xml version="1.0" encoding="utf-8"?>
 <p:sld xmlns:a="http://schemas.openxmlformats.org/drawingml/2006/main" xmlns:r="http://schemas.openxmlformats.org/officeDocument/2006/relationships" xmlns:p="http://schemas.openxmlformats.org/presentationml/2006/main">
   <p:cSld>
     <p:spTree>
@@ -13786,7 +13356,7 @@
           <a:p>
             <a:r>
               <a:rPr kumimoji="1" lang="ja-JP" altLang="en-US" dirty="0" smtClean="0"/>
-              <a:t>経済性の管理</a:t>
+              <a:t>目次</a:t>
             </a:r>
             <a:endParaRPr kumimoji="1" lang="ja-JP" altLang="en-US" dirty="0"/>
           </a:p>
@@ -13807,18 +13377,52 @@
           <a:bodyPr/>
           <a:lstStyle/>
           <a:p>
-            <a:pPr marL="0" indent="0">
-              <a:buNone/>
+            <a:pPr marL="457200" indent="-457200">
+              <a:buFont typeface="+mj-lt"/>
+              <a:buAutoNum type="arabicPeriod"/>
             </a:pPr>
             <a:r>
-              <a:rPr kumimoji="1" lang="ja-JP" altLang="en-US" dirty="0" smtClean="0"/>
-              <a:t>経済的に合理的</a:t>
-            </a:r>
+              <a:rPr lang="ja-JP" altLang="en-US" dirty="0" smtClean="0"/>
+              <a:t>プロダクトオーナーとは</a:t>
+            </a:r>
+            <a:endParaRPr lang="en-US" altLang="ja-JP" dirty="0" smtClean="0"/>
+          </a:p>
+          <a:p>
+            <a:pPr marL="457200" indent="-457200">
+              <a:buFont typeface="+mj-lt"/>
+              <a:buAutoNum type="arabicPeriod"/>
+            </a:pPr>
             <a:r>
               <a:rPr lang="ja-JP" altLang="en-US" dirty="0"/>
-              <a:t>とは</a:t>
-            </a:r>
-            <a:endParaRPr kumimoji="1" lang="ja-JP" altLang="en-US" dirty="0"/>
+              <a:t>プロジェクトマネージャーとの</a:t>
+            </a:r>
+            <a:r>
+              <a:rPr lang="ja-JP" altLang="en-US" dirty="0" smtClean="0"/>
+              <a:t>違い</a:t>
+            </a:r>
+            <a:endParaRPr lang="en-US" altLang="ja-JP" dirty="0" smtClean="0"/>
+          </a:p>
+          <a:p>
+            <a:pPr marL="457200" indent="-457200">
+              <a:buFont typeface="+mj-lt"/>
+              <a:buAutoNum type="arabicPeriod"/>
+            </a:pPr>
+            <a:r>
+              <a:rPr lang="ja-JP" altLang="en-US" dirty="0" smtClean="0"/>
+              <a:t>プロダクトオーナーの役割</a:t>
+            </a:r>
+            <a:endParaRPr lang="en-US" altLang="ja-JP" dirty="0" smtClean="0"/>
+          </a:p>
+          <a:p>
+            <a:pPr marL="457200" indent="-457200">
+              <a:buFont typeface="+mj-lt"/>
+              <a:buAutoNum type="arabicPeriod"/>
+            </a:pPr>
+            <a:r>
+              <a:rPr lang="ja-JP" altLang="en-US" dirty="0" smtClean="0"/>
+              <a:t>各セレモニーでの関わりについて</a:t>
+            </a:r>
+            <a:endParaRPr lang="en-US" altLang="ja-JP" dirty="0" smtClean="0"/>
           </a:p>
         </p:txBody>
       </p:sp>
@@ -13844,7 +13448,129 @@
                 </a:solidFill>
               </a:rPr>
               <a:pPr/>
-              <a:t>21</a:t>
+              <a:t>2</a:t>
+            </a:fld>
+            <a:endParaRPr lang="ja-JP" altLang="en-US">
+              <a:solidFill>
+                <a:srgbClr val="000000"/>
+              </a:solidFill>
+            </a:endParaRPr>
+          </a:p>
+        </p:txBody>
+      </p:sp>
+    </p:spTree>
+    <p:extLst>
+      <p:ext uri="{BB962C8B-B14F-4D97-AF65-F5344CB8AC3E}">
+        <p14:creationId xmlns:p14="http://schemas.microsoft.com/office/powerpoint/2010/main" val="2270931992"/>
+      </p:ext>
+    </p:extLst>
+  </p:cSld>
+  <p:clrMapOvr>
+    <a:masterClrMapping/>
+  </p:clrMapOvr>
+  <p:timing>
+    <p:tnLst>
+      <p:par>
+        <p:cTn id="1" dur="indefinite" restart="never" nodeType="tmRoot"/>
+      </p:par>
+    </p:tnLst>
+  </p:timing>
+</p:sld>
+</file>
+
+<file path=ppt/slides/slide20.xml><?xml version="1.0" encoding="utf-8"?>
+<p:sld xmlns:a="http://schemas.openxmlformats.org/drawingml/2006/main" xmlns:r="http://schemas.openxmlformats.org/officeDocument/2006/relationships" xmlns:p="http://schemas.openxmlformats.org/presentationml/2006/main">
+  <p:cSld>
+    <p:spTree>
+      <p:nvGrpSpPr>
+        <p:cNvPr id="1" name=""/>
+        <p:cNvGrpSpPr/>
+        <p:nvPr/>
+      </p:nvGrpSpPr>
+      <p:grpSpPr>
+        <a:xfrm>
+          <a:off x="0" y="0"/>
+          <a:ext cx="0" cy="0"/>
+          <a:chOff x="0" y="0"/>
+          <a:chExt cx="0" cy="0"/>
+        </a:xfrm>
+      </p:grpSpPr>
+      <p:sp>
+        <p:nvSpPr>
+          <p:cNvPr id="2" name="タイトル 1"/>
+          <p:cNvSpPr>
+            <a:spLocks noGrp="1"/>
+          </p:cNvSpPr>
+          <p:nvPr>
+            <p:ph type="title"/>
+          </p:nvPr>
+        </p:nvSpPr>
+        <p:spPr/>
+        <p:txBody>
+          <a:bodyPr/>
+          <a:lstStyle/>
+          <a:p>
+            <a:r>
+              <a:rPr kumimoji="1" lang="ja-JP" altLang="en-US" dirty="0" smtClean="0"/>
+              <a:t>経済性の管理</a:t>
+            </a:r>
+            <a:endParaRPr kumimoji="1" lang="ja-JP" altLang="en-US" dirty="0"/>
+          </a:p>
+        </p:txBody>
+      </p:sp>
+      <p:sp>
+        <p:nvSpPr>
+          <p:cNvPr id="3" name="コンテンツ プレースホルダー 2"/>
+          <p:cNvSpPr>
+            <a:spLocks noGrp="1"/>
+          </p:cNvSpPr>
+          <p:nvPr>
+            <p:ph idx="1"/>
+          </p:nvPr>
+        </p:nvSpPr>
+        <p:spPr/>
+        <p:txBody>
+          <a:bodyPr/>
+          <a:lstStyle/>
+          <a:p>
+            <a:pPr marL="0" indent="0">
+              <a:buNone/>
+            </a:pPr>
+            <a:r>
+              <a:rPr kumimoji="1" lang="ja-JP" altLang="en-US" dirty="0" smtClean="0"/>
+              <a:t>経済的に合理的</a:t>
+            </a:r>
+            <a:r>
+              <a:rPr lang="ja-JP" altLang="en-US" dirty="0"/>
+              <a:t>とは</a:t>
+            </a:r>
+            <a:endParaRPr kumimoji="1" lang="ja-JP" altLang="en-US" dirty="0"/>
+          </a:p>
+        </p:txBody>
+      </p:sp>
+      <p:sp>
+        <p:nvSpPr>
+          <p:cNvPr id="4" name="スライド番号プレースホルダー 3"/>
+          <p:cNvSpPr>
+            <a:spLocks noGrp="1"/>
+          </p:cNvSpPr>
+          <p:nvPr>
+            <p:ph type="sldNum" sz="quarter" idx="10"/>
+          </p:nvPr>
+        </p:nvSpPr>
+        <p:spPr/>
+        <p:txBody>
+          <a:bodyPr/>
+          <a:lstStyle/>
+          <a:p>
+            <a:fld id="{B4D007DB-033F-4D0E-8F1F-F48F905DCDAE}" type="slidenum">
+              <a:rPr lang="ja-JP" altLang="en-US" smtClean="0">
+                <a:solidFill>
+                  <a:srgbClr val="000000"/>
+                </a:solidFill>
+              </a:rPr>
+              <a:pPr/>
+              <a:t>20</a:t>
             </a:fld>
             <a:endParaRPr lang="ja-JP" altLang="en-US">
               <a:solidFill>
@@ -14416,7 +14142,7 @@
 </p:sld>
 </file>
 
-<file path=ppt/slides/slide22.xml><?xml version="1.0" encoding="utf-8"?>
+<file path=ppt/slides/slide21.xml><?xml version="1.0" encoding="utf-8"?>
 <p:sld xmlns:a="http://schemas.openxmlformats.org/drawingml/2006/main" xmlns:r="http://schemas.openxmlformats.org/officeDocument/2006/relationships" xmlns:p="http://schemas.openxmlformats.org/presentationml/2006/main">
   <p:cSld>
     <p:spTree>
@@ -14512,7 +14238,7 @@
                 </a:solidFill>
               </a:rPr>
               <a:pPr/>
-              <a:t>22</a:t>
+              <a:t>21</a:t>
             </a:fld>
             <a:endParaRPr lang="ja-JP" altLang="en-US">
               <a:solidFill>
@@ -15168,7 +14894,7 @@
 </p:sld>
 </file>
 
-<file path=ppt/slides/slide23.xml><?xml version="1.0" encoding="utf-8"?>
+<file path=ppt/slides/slide22.xml><?xml version="1.0" encoding="utf-8"?>
 <p:sld xmlns:a="http://schemas.openxmlformats.org/drawingml/2006/main" xmlns:r="http://schemas.openxmlformats.org/officeDocument/2006/relationships" xmlns:p="http://schemas.openxmlformats.org/presentationml/2006/main">
   <p:cSld>
     <p:spTree>
@@ -15271,7 +14997,7 @@
                 </a:solidFill>
               </a:rPr>
               <a:pPr/>
-              <a:t>23</a:t>
+              <a:t>22</a:t>
             </a:fld>
             <a:endParaRPr lang="ja-JP" altLang="en-US">
               <a:solidFill>
@@ -15726,7 +15452,7 @@
 </p:sld>
 </file>
 
-<file path=ppt/slides/slide24.xml><?xml version="1.0" encoding="utf-8"?>
+<file path=ppt/slides/slide23.xml><?xml version="1.0" encoding="utf-8"?>
 <p:sld xmlns:a="http://schemas.openxmlformats.org/drawingml/2006/main" xmlns:r="http://schemas.openxmlformats.org/officeDocument/2006/relationships" xmlns:p="http://schemas.openxmlformats.org/presentationml/2006/main">
   <p:cSld>
     <p:spTree>
@@ -15862,7 +15588,7 @@
                 </a:solidFill>
               </a:rPr>
               <a:pPr/>
-              <a:t>24</a:t>
+              <a:t>23</a:t>
             </a:fld>
             <a:endParaRPr lang="ja-JP" altLang="en-US">
               <a:solidFill>
@@ -16182,7 +15908,7 @@
 </p:sld>
 </file>
 
-<file path=ppt/slides/slide25.xml><?xml version="1.0" encoding="utf-8"?>
+<file path=ppt/slides/slide24.xml><?xml version="1.0" encoding="utf-8"?>
 <p:sld xmlns:a="http://schemas.openxmlformats.org/drawingml/2006/main" xmlns:r="http://schemas.openxmlformats.org/officeDocument/2006/relationships" xmlns:p="http://schemas.openxmlformats.org/presentationml/2006/main">
   <p:cSld>
     <p:spTree>
@@ -16587,7 +16313,7 @@
                 </a:solidFill>
               </a:rPr>
               <a:pPr/>
-              <a:t>25</a:t>
+              <a:t>24</a:t>
             </a:fld>
             <a:endParaRPr lang="ja-JP" altLang="en-US">
               <a:solidFill>
@@ -16617,7 +16343,7 @@
 </p:sld>
 </file>
 
-<file path=ppt/slides/slide26.xml><?xml version="1.0" encoding="utf-8"?>
+<file path=ppt/slides/slide25.xml><?xml version="1.0" encoding="utf-8"?>
 <p:sld xmlns:a="http://schemas.openxmlformats.org/drawingml/2006/main" xmlns:r="http://schemas.openxmlformats.org/officeDocument/2006/relationships" xmlns:p="http://schemas.openxmlformats.org/presentationml/2006/main">
   <p:cSld>
     <p:spTree>
@@ -16687,7 +16413,7 @@
                 </a:solidFill>
               </a:rPr>
               <a:pPr/>
-              <a:t>26</a:t>
+              <a:t>25</a:t>
             </a:fld>
             <a:endParaRPr lang="ja-JP" altLang="en-US">
               <a:solidFill>
@@ -17130,7 +16856,7 @@
 </p:sld>
 </file>
 
-<file path=ppt/slides/slide27.xml><?xml version="1.0" encoding="utf-8"?>
+<file path=ppt/slides/slide26.xml><?xml version="1.0" encoding="utf-8"?>
 <p:sld xmlns:a="http://schemas.openxmlformats.org/drawingml/2006/main" xmlns:r="http://schemas.openxmlformats.org/officeDocument/2006/relationships" xmlns:p="http://schemas.openxmlformats.org/presentationml/2006/main">
   <p:cSld>
     <p:spTree>
@@ -17249,7 +16975,7 @@
                 </a:solidFill>
               </a:rPr>
               <a:pPr/>
-              <a:t>27</a:t>
+              <a:t>26</a:t>
             </a:fld>
             <a:endParaRPr lang="ja-JP" altLang="en-US">
               <a:solidFill>
@@ -17705,7 +17431,7 @@
 </p:sld>
 </file>
 
-<file path=ppt/slides/slide28.xml><?xml version="1.0" encoding="utf-8"?>
+<file path=ppt/slides/slide27.xml><?xml version="1.0" encoding="utf-8"?>
 <p:sld xmlns:a="http://schemas.openxmlformats.org/drawingml/2006/main" xmlns:r="http://schemas.openxmlformats.org/officeDocument/2006/relationships" xmlns:p="http://schemas.openxmlformats.org/presentationml/2006/main">
   <p:cSld>
     <p:spTree>
@@ -17837,7 +17563,7 @@
                 </a:solidFill>
               </a:rPr>
               <a:pPr/>
-              <a:t>28</a:t>
+              <a:t>27</a:t>
             </a:fld>
             <a:endParaRPr lang="ja-JP" altLang="en-US">
               <a:solidFill>
@@ -18271,7 +17997,7 @@
 </p:sld>
 </file>
 
-<file path=ppt/slides/slide29.xml><?xml version="1.0" encoding="utf-8"?>
+<file path=ppt/slides/slide28.xml><?xml version="1.0" encoding="utf-8"?>
 <p:sld xmlns:a="http://schemas.openxmlformats.org/drawingml/2006/main" xmlns:r="http://schemas.openxmlformats.org/officeDocument/2006/relationships" xmlns:p="http://schemas.openxmlformats.org/presentationml/2006/main">
   <p:cSld>
     <p:spTree>
@@ -18341,7 +18067,7 @@
                 </a:solidFill>
               </a:rPr>
               <a:pPr/>
-              <a:t>29</a:t>
+              <a:t>28</a:t>
             </a:fld>
             <a:endParaRPr lang="ja-JP" altLang="en-US">
               <a:solidFill>
@@ -18748,291 +18474,7 @@
 </p:sld>
 </file>
 
-<file path=ppt/slides/slide3.xml><?xml version="1.0" encoding="utf-8"?>
-<p:sld xmlns:a="http://schemas.openxmlformats.org/drawingml/2006/main" xmlns:r="http://schemas.openxmlformats.org/officeDocument/2006/relationships" xmlns:p="http://schemas.openxmlformats.org/presentationml/2006/main">
-  <p:cSld>
-    <p:spTree>
-      <p:nvGrpSpPr>
-        <p:cNvPr id="1" name=""/>
-        <p:cNvGrpSpPr/>
-        <p:nvPr/>
-      </p:nvGrpSpPr>
-      <p:grpSpPr>
-        <a:xfrm>
-          <a:off x="0" y="0"/>
-          <a:ext cx="0" cy="0"/>
-          <a:chOff x="0" y="0"/>
-          <a:chExt cx="0" cy="0"/>
-        </a:xfrm>
-      </p:grpSpPr>
-      <p:sp>
-        <p:nvSpPr>
-          <p:cNvPr id="2" name="タイトル 1"/>
-          <p:cNvSpPr>
-            <a:spLocks noGrp="1"/>
-          </p:cNvSpPr>
-          <p:nvPr>
-            <p:ph type="title"/>
-          </p:nvPr>
-        </p:nvSpPr>
-        <p:spPr/>
-        <p:txBody>
-          <a:bodyPr/>
-          <a:lstStyle/>
-          <a:p>
-            <a:r>
-              <a:rPr kumimoji="1" lang="ja-JP" altLang="en-US" dirty="0" smtClean="0"/>
-              <a:t>前提</a:t>
-            </a:r>
-            <a:endParaRPr kumimoji="1" lang="ja-JP" altLang="en-US" dirty="0"/>
-          </a:p>
-        </p:txBody>
-      </p:sp>
-      <p:sp>
-        <p:nvSpPr>
-          <p:cNvPr id="3" name="コンテンツ プレースホルダー 2"/>
-          <p:cNvSpPr>
-            <a:spLocks noGrp="1"/>
-          </p:cNvSpPr>
-          <p:nvPr>
-            <p:ph idx="1"/>
-          </p:nvPr>
-        </p:nvSpPr>
-        <p:spPr/>
-        <p:txBody>
-          <a:bodyPr>
-            <a:normAutofit/>
-          </a:bodyPr>
-          <a:lstStyle/>
-          <a:p>
-            <a:pPr>
-              <a:buFont typeface="Wingdings" panose="05000000000000000000" pitchFamily="2" charset="2"/>
-              <a:buChar char="u"/>
-            </a:pPr>
-            <a:r>
-              <a:rPr kumimoji="1" lang="ja-JP" altLang="en-US" dirty="0" smtClean="0"/>
-              <a:t>スクラムの基本的な概念、セレモニーの内容</a:t>
-            </a:r>
-            <a:r>
-              <a:rPr lang="en-US" altLang="ja-JP" baseline="30000" dirty="0"/>
-              <a:t>※</a:t>
-            </a:r>
-            <a:r>
-              <a:rPr kumimoji="1" lang="ja-JP" altLang="en-US" dirty="0" smtClean="0"/>
-              <a:t>を理解している認識で話を進め</a:t>
-            </a:r>
-            <a:r>
-              <a:rPr lang="ja-JP" altLang="en-US" dirty="0" smtClean="0"/>
-              <a:t>ます</a:t>
-            </a:r>
-            <a:r>
-              <a:rPr kumimoji="1" lang="ja-JP" altLang="en-US" dirty="0" smtClean="0"/>
-              <a:t>。</a:t>
-            </a:r>
-            <a:endParaRPr kumimoji="1" lang="en-US" altLang="ja-JP" dirty="0" smtClean="0"/>
-          </a:p>
-          <a:p>
-            <a:pPr marL="0" indent="0">
-              <a:buNone/>
-            </a:pPr>
-            <a:endParaRPr kumimoji="1" lang="en-US" altLang="ja-JP" sz="1800" dirty="0" smtClean="0"/>
-          </a:p>
-          <a:p>
-            <a:pPr marL="0" indent="0">
-              <a:buNone/>
-            </a:pPr>
-            <a:r>
-              <a:rPr kumimoji="1" lang="ja-JP" altLang="en-US" sz="1800" dirty="0" smtClean="0"/>
-              <a:t>　</a:t>
-            </a:r>
-            <a:r>
-              <a:rPr kumimoji="1" lang="en-US" altLang="ja-JP" sz="1800" dirty="0" smtClean="0"/>
-              <a:t>※</a:t>
-            </a:r>
-            <a:r>
-              <a:rPr kumimoji="1" lang="ja-JP" altLang="en-US" sz="1800" dirty="0" smtClean="0"/>
-              <a:t>スクラムガイドに記載されている内容</a:t>
-            </a:r>
-            <a:endParaRPr kumimoji="1" lang="en-US" altLang="ja-JP" sz="1800" dirty="0" smtClean="0"/>
-          </a:p>
-          <a:p>
-            <a:pPr marL="0" indent="0">
-              <a:buNone/>
-            </a:pPr>
-            <a:r>
-              <a:rPr lang="ja-JP" altLang="en-US" sz="1800" dirty="0"/>
-              <a:t>　</a:t>
-            </a:r>
-            <a:r>
-              <a:rPr lang="ja-JP" altLang="en-US" sz="1800" dirty="0" smtClean="0"/>
-              <a:t>　</a:t>
-            </a:r>
-            <a:r>
-              <a:rPr lang="en-US" altLang="ja-JP" sz="1600" dirty="0" smtClean="0">
-                <a:hlinkClick r:id="rId2"/>
-              </a:rPr>
-              <a:t>https</a:t>
-            </a:r>
-            <a:r>
-              <a:rPr lang="en-US" altLang="ja-JP" sz="1600" dirty="0">
-                <a:hlinkClick r:id="rId2"/>
-              </a:rPr>
-              <a:t>://</a:t>
-            </a:r>
-            <a:r>
-              <a:rPr lang="en-US" altLang="ja-JP" sz="1600" dirty="0" smtClean="0">
-                <a:hlinkClick r:id="rId2"/>
-              </a:rPr>
-              <a:t>www.scrumguides.org/docs/scrumguide/v2017/2017-Scrum-Guide-Japanese.pdf</a:t>
-            </a:r>
-            <a:endParaRPr lang="en-US" altLang="ja-JP" sz="1600" dirty="0" smtClean="0"/>
-          </a:p>
-          <a:p>
-            <a:pPr marL="0" indent="0">
-              <a:buNone/>
-            </a:pPr>
-            <a:endParaRPr kumimoji="1" lang="en-US" altLang="ja-JP" sz="1600" dirty="0" smtClean="0"/>
-          </a:p>
-          <a:p>
-            <a:pPr>
-              <a:buFont typeface="Wingdings" panose="05000000000000000000" pitchFamily="2" charset="2"/>
-              <a:buChar char="u"/>
-            </a:pPr>
-            <a:r>
-              <a:rPr lang="ja-JP" altLang="en-US" dirty="0" smtClean="0"/>
-              <a:t>本資料は以下の資料を基に作成しているため、記載資料を読むことで理解が深まります。</a:t>
-            </a:r>
-            <a:endParaRPr lang="en-US" altLang="ja-JP" dirty="0" smtClean="0"/>
-          </a:p>
-          <a:p>
-            <a:pPr marL="0" indent="0">
-              <a:buNone/>
-            </a:pPr>
-            <a:r>
-              <a:rPr lang="ja-JP" altLang="en-US" sz="2000" dirty="0"/>
-              <a:t>　</a:t>
-            </a:r>
-            <a:r>
-              <a:rPr lang="ja-JP" altLang="en-US" sz="2000" dirty="0" smtClean="0"/>
-              <a:t>「エッセンシャルスクラム</a:t>
-            </a:r>
-            <a:r>
-              <a:rPr lang="en-US" altLang="ja-JP" sz="2000" dirty="0" smtClean="0"/>
-              <a:t>(</a:t>
-            </a:r>
-            <a:r>
-              <a:rPr lang="ja-JP" altLang="en-US" sz="2000" dirty="0" smtClean="0"/>
-              <a:t>翔泳社発行</a:t>
-            </a:r>
-            <a:r>
-              <a:rPr lang="en-US" altLang="ja-JP" sz="2000" dirty="0" smtClean="0"/>
-              <a:t>)</a:t>
-            </a:r>
-            <a:r>
-              <a:rPr lang="ja-JP" altLang="en-US" sz="2000" dirty="0" smtClean="0"/>
-              <a:t>」</a:t>
-            </a:r>
-            <a:endParaRPr lang="en-US" altLang="ja-JP" sz="2000" dirty="0" smtClean="0"/>
-          </a:p>
-          <a:p>
-            <a:pPr marL="0" indent="0">
-              <a:buNone/>
-            </a:pPr>
-            <a:r>
-              <a:rPr kumimoji="1" lang="ja-JP" altLang="en-US" sz="2000" dirty="0"/>
-              <a:t>　</a:t>
-            </a:r>
-            <a:r>
-              <a:rPr lang="ja-JP" altLang="en-US" sz="2000" dirty="0" smtClean="0"/>
-              <a:t>「</a:t>
-            </a:r>
-            <a:r>
-              <a:rPr lang="en-US" altLang="ja-JP" sz="2000" dirty="0" smtClean="0"/>
-              <a:t>PMBOK</a:t>
-            </a:r>
-            <a:r>
-              <a:rPr lang="ja-JP" altLang="en-US" sz="2000" dirty="0" smtClean="0"/>
-              <a:t>ガイド（第</a:t>
-            </a:r>
-            <a:r>
-              <a:rPr lang="en-US" altLang="ja-JP" sz="2000" dirty="0" smtClean="0"/>
-              <a:t>6</a:t>
-            </a:r>
-            <a:r>
-              <a:rPr lang="ja-JP" altLang="en-US" sz="2000" dirty="0" smtClean="0"/>
-              <a:t>版）」</a:t>
-            </a:r>
-            <a:endParaRPr lang="en-US" altLang="ja-JP" sz="2000" dirty="0"/>
-          </a:p>
-          <a:p>
-            <a:pPr marL="0" indent="0">
-              <a:buNone/>
-            </a:pPr>
-            <a:r>
-              <a:rPr lang="ja-JP" altLang="en-US" sz="2000" dirty="0"/>
-              <a:t>　</a:t>
-            </a:r>
-            <a:r>
-              <a:rPr lang="ja-JP" altLang="en-US" sz="2000" dirty="0" smtClean="0"/>
-              <a:t>「スクラムガイド」</a:t>
-            </a:r>
-            <a:endParaRPr lang="en-US" altLang="ja-JP" dirty="0" smtClean="0"/>
-          </a:p>
-        </p:txBody>
-      </p:sp>
-      <p:sp>
-        <p:nvSpPr>
-          <p:cNvPr id="4" name="スライド番号プレースホルダー 3"/>
-          <p:cNvSpPr>
-            <a:spLocks noGrp="1"/>
-          </p:cNvSpPr>
-          <p:nvPr>
-            <p:ph type="sldNum" sz="quarter" idx="10"/>
-          </p:nvPr>
-        </p:nvSpPr>
-        <p:spPr/>
-        <p:txBody>
-          <a:bodyPr/>
-          <a:lstStyle/>
-          <a:p>
-            <a:fld id="{B4D007DB-033F-4D0E-8F1F-F48F905DCDAE}" type="slidenum">
-              <a:rPr lang="ja-JP" altLang="en-US" smtClean="0">
-                <a:solidFill>
-                  <a:srgbClr val="000000"/>
-                </a:solidFill>
-              </a:rPr>
-              <a:pPr/>
-              <a:t>3</a:t>
-            </a:fld>
-            <a:endParaRPr lang="ja-JP" altLang="en-US">
-              <a:solidFill>
-                <a:srgbClr val="000000"/>
-              </a:solidFill>
-            </a:endParaRPr>
-          </a:p>
-        </p:txBody>
-      </p:sp>
-    </p:spTree>
-    <p:extLst>
-      <p:ext uri="{BB962C8B-B14F-4D97-AF65-F5344CB8AC3E}">
-        <p14:creationId xmlns:p14="http://schemas.microsoft.com/office/powerpoint/2010/main" val="891079380"/>
-      </p:ext>
-    </p:extLst>
-  </p:cSld>
-  <p:clrMapOvr>
-    <a:masterClrMapping/>
-  </p:clrMapOvr>
-  <p:timing>
-    <p:tnLst>
-      <p:par>
-        <p:cTn id="1" dur="indefinite" restart="never" nodeType="tmRoot"/>
-      </p:par>
-    </p:tnLst>
-  </p:timing>
-</p:sld>
-</file>
-
-<file path=ppt/slides/slide30.xml><?xml version="1.0" encoding="utf-8"?>
+<file path=ppt/slides/slide29.xml><?xml version="1.0" encoding="utf-8"?>
 <p:sld xmlns:a="http://schemas.openxmlformats.org/drawingml/2006/main" xmlns:r="http://schemas.openxmlformats.org/officeDocument/2006/relationships" xmlns:p="http://schemas.openxmlformats.org/presentationml/2006/main">
   <p:cSld>
     <p:spTree>
@@ -19315,7 +18757,7 @@
                 </a:solidFill>
               </a:rPr>
               <a:pPr/>
-              <a:t>30</a:t>
+              <a:t>29</a:t>
             </a:fld>
             <a:endParaRPr lang="ja-JP" altLang="en-US">
               <a:solidFill>
@@ -19469,7 +18911,7 @@
 </p:sld>
 </file>
 
-<file path=ppt/slides/slide31.xml><?xml version="1.0" encoding="utf-8"?>
+<file path=ppt/slides/slide3.xml><?xml version="1.0" encoding="utf-8"?>
 <p:sld xmlns:a="http://schemas.openxmlformats.org/drawingml/2006/main" xmlns:r="http://schemas.openxmlformats.org/officeDocument/2006/relationships" xmlns:p="http://schemas.openxmlformats.org/presentationml/2006/main">
   <p:cSld>
     <p:spTree>
@@ -19503,6 +18945,290 @@
           <a:p>
             <a:r>
               <a:rPr kumimoji="1" lang="ja-JP" altLang="en-US" dirty="0" smtClean="0"/>
+              <a:t>前提</a:t>
+            </a:r>
+            <a:endParaRPr kumimoji="1" lang="ja-JP" altLang="en-US" dirty="0"/>
+          </a:p>
+        </p:txBody>
+      </p:sp>
+      <p:sp>
+        <p:nvSpPr>
+          <p:cNvPr id="3" name="コンテンツ プレースホルダー 2"/>
+          <p:cNvSpPr>
+            <a:spLocks noGrp="1"/>
+          </p:cNvSpPr>
+          <p:nvPr>
+            <p:ph idx="1"/>
+          </p:nvPr>
+        </p:nvSpPr>
+        <p:spPr/>
+        <p:txBody>
+          <a:bodyPr>
+            <a:normAutofit/>
+          </a:bodyPr>
+          <a:lstStyle/>
+          <a:p>
+            <a:pPr>
+              <a:buFont typeface="Wingdings" panose="05000000000000000000" pitchFamily="2" charset="2"/>
+              <a:buChar char="u"/>
+            </a:pPr>
+            <a:r>
+              <a:rPr kumimoji="1" lang="ja-JP" altLang="en-US" dirty="0" smtClean="0"/>
+              <a:t>スクラムの基本的な概念、セレモニーの内容</a:t>
+            </a:r>
+            <a:r>
+              <a:rPr lang="en-US" altLang="ja-JP" baseline="30000" dirty="0"/>
+              <a:t>※</a:t>
+            </a:r>
+            <a:r>
+              <a:rPr kumimoji="1" lang="ja-JP" altLang="en-US" dirty="0" smtClean="0"/>
+              <a:t>を理解している認識で話を進め</a:t>
+            </a:r>
+            <a:r>
+              <a:rPr lang="ja-JP" altLang="en-US" dirty="0" smtClean="0"/>
+              <a:t>ます</a:t>
+            </a:r>
+            <a:r>
+              <a:rPr kumimoji="1" lang="ja-JP" altLang="en-US" dirty="0" smtClean="0"/>
+              <a:t>。</a:t>
+            </a:r>
+            <a:endParaRPr kumimoji="1" lang="en-US" altLang="ja-JP" dirty="0" smtClean="0"/>
+          </a:p>
+          <a:p>
+            <a:pPr marL="0" indent="0">
+              <a:buNone/>
+            </a:pPr>
+            <a:endParaRPr kumimoji="1" lang="en-US" altLang="ja-JP" sz="1800" dirty="0" smtClean="0"/>
+          </a:p>
+          <a:p>
+            <a:pPr marL="0" indent="0">
+              <a:buNone/>
+            </a:pPr>
+            <a:r>
+              <a:rPr kumimoji="1" lang="ja-JP" altLang="en-US" sz="1800" dirty="0" smtClean="0"/>
+              <a:t>　</a:t>
+            </a:r>
+            <a:r>
+              <a:rPr kumimoji="1" lang="en-US" altLang="ja-JP" sz="1800" dirty="0" smtClean="0"/>
+              <a:t>※</a:t>
+            </a:r>
+            <a:r>
+              <a:rPr kumimoji="1" lang="ja-JP" altLang="en-US" sz="1800" dirty="0" smtClean="0"/>
+              <a:t>スクラムガイドに記載されている内容</a:t>
+            </a:r>
+            <a:endParaRPr kumimoji="1" lang="en-US" altLang="ja-JP" sz="1800" dirty="0" smtClean="0"/>
+          </a:p>
+          <a:p>
+            <a:pPr marL="0" indent="0">
+              <a:buNone/>
+            </a:pPr>
+            <a:r>
+              <a:rPr lang="ja-JP" altLang="en-US" sz="1800" dirty="0"/>
+              <a:t>　</a:t>
+            </a:r>
+            <a:r>
+              <a:rPr lang="ja-JP" altLang="en-US" sz="1800" dirty="0" smtClean="0"/>
+              <a:t>　</a:t>
+            </a:r>
+            <a:r>
+              <a:rPr lang="en-US" altLang="ja-JP" sz="1600" dirty="0" smtClean="0">
+                <a:hlinkClick r:id="rId2"/>
+              </a:rPr>
+              <a:t>https</a:t>
+            </a:r>
+            <a:r>
+              <a:rPr lang="en-US" altLang="ja-JP" sz="1600" dirty="0">
+                <a:hlinkClick r:id="rId2"/>
+              </a:rPr>
+              <a:t>://</a:t>
+            </a:r>
+            <a:r>
+              <a:rPr lang="en-US" altLang="ja-JP" sz="1600" dirty="0" smtClean="0">
+                <a:hlinkClick r:id="rId2"/>
+              </a:rPr>
+              <a:t>www.scrumguides.org/docs/scrumguide/v2017/2017-Scrum-Guide-Japanese.pdf</a:t>
+            </a:r>
+            <a:endParaRPr lang="en-US" altLang="ja-JP" sz="1600" dirty="0" smtClean="0"/>
+          </a:p>
+          <a:p>
+            <a:pPr marL="0" indent="0">
+              <a:buNone/>
+            </a:pPr>
+            <a:endParaRPr kumimoji="1" lang="en-US" altLang="ja-JP" sz="1600" dirty="0" smtClean="0"/>
+          </a:p>
+          <a:p>
+            <a:pPr>
+              <a:buFont typeface="Wingdings" panose="05000000000000000000" pitchFamily="2" charset="2"/>
+              <a:buChar char="u"/>
+            </a:pPr>
+            <a:r>
+              <a:rPr lang="ja-JP" altLang="en-US" dirty="0" smtClean="0"/>
+              <a:t>本資料は以下の資料を基に作成しているため、記載資料を読むことで理解が深まります。</a:t>
+            </a:r>
+            <a:endParaRPr lang="en-US" altLang="ja-JP" dirty="0" smtClean="0"/>
+          </a:p>
+          <a:p>
+            <a:pPr marL="0" indent="0">
+              <a:buNone/>
+            </a:pPr>
+            <a:r>
+              <a:rPr lang="ja-JP" altLang="en-US" sz="2000" dirty="0"/>
+              <a:t>　</a:t>
+            </a:r>
+            <a:r>
+              <a:rPr lang="ja-JP" altLang="en-US" sz="2000" dirty="0" smtClean="0"/>
+              <a:t>「エッセンシャルスクラム</a:t>
+            </a:r>
+            <a:r>
+              <a:rPr lang="en-US" altLang="ja-JP" sz="2000" dirty="0" smtClean="0"/>
+              <a:t>(</a:t>
+            </a:r>
+            <a:r>
+              <a:rPr lang="ja-JP" altLang="en-US" sz="2000" dirty="0" smtClean="0"/>
+              <a:t>翔泳社発行</a:t>
+            </a:r>
+            <a:r>
+              <a:rPr lang="en-US" altLang="ja-JP" sz="2000" dirty="0" smtClean="0"/>
+              <a:t>)</a:t>
+            </a:r>
+            <a:r>
+              <a:rPr lang="ja-JP" altLang="en-US" sz="2000" dirty="0" smtClean="0"/>
+              <a:t>」</a:t>
+            </a:r>
+            <a:endParaRPr lang="en-US" altLang="ja-JP" sz="2000" dirty="0" smtClean="0"/>
+          </a:p>
+          <a:p>
+            <a:pPr marL="0" indent="0">
+              <a:buNone/>
+            </a:pPr>
+            <a:r>
+              <a:rPr kumimoji="1" lang="ja-JP" altLang="en-US" sz="2000" dirty="0"/>
+              <a:t>　</a:t>
+            </a:r>
+            <a:r>
+              <a:rPr lang="ja-JP" altLang="en-US" sz="2000" dirty="0" smtClean="0"/>
+              <a:t>「</a:t>
+            </a:r>
+            <a:r>
+              <a:rPr lang="en-US" altLang="ja-JP" sz="2000" dirty="0" smtClean="0"/>
+              <a:t>PMBOK</a:t>
+            </a:r>
+            <a:r>
+              <a:rPr lang="ja-JP" altLang="en-US" sz="2000" dirty="0" smtClean="0"/>
+              <a:t>ガイド（第</a:t>
+            </a:r>
+            <a:r>
+              <a:rPr lang="en-US" altLang="ja-JP" sz="2000" dirty="0" smtClean="0"/>
+              <a:t>6</a:t>
+            </a:r>
+            <a:r>
+              <a:rPr lang="ja-JP" altLang="en-US" sz="2000" dirty="0" smtClean="0"/>
+              <a:t>版）」</a:t>
+            </a:r>
+            <a:endParaRPr lang="en-US" altLang="ja-JP" sz="2000" dirty="0"/>
+          </a:p>
+          <a:p>
+            <a:pPr marL="0" indent="0">
+              <a:buNone/>
+            </a:pPr>
+            <a:r>
+              <a:rPr lang="ja-JP" altLang="en-US" sz="2000" dirty="0"/>
+              <a:t>　</a:t>
+            </a:r>
+            <a:r>
+              <a:rPr lang="ja-JP" altLang="en-US" sz="2000" dirty="0" smtClean="0"/>
+              <a:t>「スクラムガイド」</a:t>
+            </a:r>
+            <a:endParaRPr lang="en-US" altLang="ja-JP" dirty="0" smtClean="0"/>
+          </a:p>
+        </p:txBody>
+      </p:sp>
+      <p:sp>
+        <p:nvSpPr>
+          <p:cNvPr id="4" name="スライド番号プレースホルダー 3"/>
+          <p:cNvSpPr>
+            <a:spLocks noGrp="1"/>
+          </p:cNvSpPr>
+          <p:nvPr>
+            <p:ph type="sldNum" sz="quarter" idx="10"/>
+          </p:nvPr>
+        </p:nvSpPr>
+        <p:spPr/>
+        <p:txBody>
+          <a:bodyPr/>
+          <a:lstStyle/>
+          <a:p>
+            <a:fld id="{B4D007DB-033F-4D0E-8F1F-F48F905DCDAE}" type="slidenum">
+              <a:rPr lang="ja-JP" altLang="en-US" smtClean="0">
+                <a:solidFill>
+                  <a:srgbClr val="000000"/>
+                </a:solidFill>
+              </a:rPr>
+              <a:pPr/>
+              <a:t>3</a:t>
+            </a:fld>
+            <a:endParaRPr lang="ja-JP" altLang="en-US">
+              <a:solidFill>
+                <a:srgbClr val="000000"/>
+              </a:solidFill>
+            </a:endParaRPr>
+          </a:p>
+        </p:txBody>
+      </p:sp>
+    </p:spTree>
+    <p:extLst>
+      <p:ext uri="{BB962C8B-B14F-4D97-AF65-F5344CB8AC3E}">
+        <p14:creationId xmlns:p14="http://schemas.microsoft.com/office/powerpoint/2010/main" val="891079380"/>
+      </p:ext>
+    </p:extLst>
+  </p:cSld>
+  <p:clrMapOvr>
+    <a:masterClrMapping/>
+  </p:clrMapOvr>
+  <p:timing>
+    <p:tnLst>
+      <p:par>
+        <p:cTn id="1" dur="indefinite" restart="never" nodeType="tmRoot"/>
+      </p:par>
+    </p:tnLst>
+  </p:timing>
+</p:sld>
+</file>
+
+<file path=ppt/slides/slide30.xml><?xml version="1.0" encoding="utf-8"?>
+<p:sld xmlns:a="http://schemas.openxmlformats.org/drawingml/2006/main" xmlns:r="http://schemas.openxmlformats.org/officeDocument/2006/relationships" xmlns:p="http://schemas.openxmlformats.org/presentationml/2006/main">
+  <p:cSld>
+    <p:spTree>
+      <p:nvGrpSpPr>
+        <p:cNvPr id="1" name=""/>
+        <p:cNvGrpSpPr/>
+        <p:nvPr/>
+      </p:nvGrpSpPr>
+      <p:grpSpPr>
+        <a:xfrm>
+          <a:off x="0" y="0"/>
+          <a:ext cx="0" cy="0"/>
+          <a:chOff x="0" y="0"/>
+          <a:chExt cx="0" cy="0"/>
+        </a:xfrm>
+      </p:grpSpPr>
+      <p:sp>
+        <p:nvSpPr>
+          <p:cNvPr id="2" name="タイトル 1"/>
+          <p:cNvSpPr>
+            <a:spLocks noGrp="1"/>
+          </p:cNvSpPr>
+          <p:nvPr>
+            <p:ph type="title"/>
+          </p:nvPr>
+        </p:nvSpPr>
+        <p:spPr/>
+        <p:txBody>
+          <a:bodyPr/>
+          <a:lstStyle/>
+          <a:p>
+            <a:r>
+              <a:rPr kumimoji="1" lang="ja-JP" altLang="en-US" dirty="0" smtClean="0"/>
               <a:t>ステークホルダーとの</a:t>
             </a:r>
             <a:r>
@@ -19581,7 +19307,7 @@
                 </a:solidFill>
               </a:rPr>
               <a:pPr/>
-              <a:t>31</a:t>
+              <a:t>30</a:t>
             </a:fld>
             <a:endParaRPr lang="ja-JP" altLang="en-US">
               <a:solidFill>
@@ -19976,7 +19702,7 @@
 </p:sld>
 </file>
 
-<file path=ppt/slides/slide32.xml><?xml version="1.0" encoding="utf-8"?>
+<file path=ppt/slides/slide31.xml><?xml version="1.0" encoding="utf-8"?>
 <p:sld xmlns:a="http://schemas.openxmlformats.org/drawingml/2006/main" xmlns:r="http://schemas.openxmlformats.org/officeDocument/2006/relationships" xmlns:p="http://schemas.openxmlformats.org/presentationml/2006/main">
   <p:cSld>
     <p:spTree>
@@ -20130,7 +19856,7 @@
                 </a:solidFill>
               </a:rPr>
               <a:pPr/>
-              <a:t>32</a:t>
+              <a:t>31</a:t>
             </a:fld>
             <a:endParaRPr lang="ja-JP" altLang="en-US">
               <a:solidFill>
@@ -20386,7 +20112,7 @@
 </p:sld>
 </file>
 
-<file path=ppt/slides/slide33.xml><?xml version="1.0" encoding="utf-8"?>
+<file path=ppt/slides/slide32.xml><?xml version="1.0" encoding="utf-8"?>
 <p:sld xmlns:a="http://schemas.openxmlformats.org/drawingml/2006/main" xmlns:r="http://schemas.openxmlformats.org/officeDocument/2006/relationships" xmlns:p="http://schemas.openxmlformats.org/presentationml/2006/main">
   <p:cSld>
     <p:spTree>
@@ -20452,7 +20178,7 @@
                 </a:solidFill>
               </a:rPr>
               <a:pPr/>
-              <a:t>33</a:t>
+              <a:t>32</a:t>
             </a:fld>
             <a:endParaRPr lang="ja-JP" altLang="en-US" dirty="0">
               <a:solidFill>
@@ -20490,7 +20216,7 @@
 </p:sld>
 </file>
 
-<file path=ppt/slides/slide34.xml><?xml version="1.0" encoding="utf-8"?>
+<file path=ppt/slides/slide33.xml><?xml version="1.0" encoding="utf-8"?>
 <p:sld xmlns:a="http://schemas.openxmlformats.org/drawingml/2006/main" xmlns:r="http://schemas.openxmlformats.org/officeDocument/2006/relationships" xmlns:p="http://schemas.openxmlformats.org/presentationml/2006/main">
   <p:cSld>
     <p:spTree>
@@ -20656,7 +20382,7 @@
                 </a:solidFill>
               </a:rPr>
               <a:pPr/>
-              <a:t>34</a:t>
+              <a:t>33</a:t>
             </a:fld>
             <a:endParaRPr lang="ja-JP" altLang="en-US">
               <a:solidFill>
@@ -20897,7 +20623,7 @@
 </p:sld>
 </file>
 
-<file path=ppt/slides/slide35.xml><?xml version="1.0" encoding="utf-8"?>
+<file path=ppt/slides/slide34.xml><?xml version="1.0" encoding="utf-8"?>
 <p:sld xmlns:a="http://schemas.openxmlformats.org/drawingml/2006/main" xmlns:r="http://schemas.openxmlformats.org/officeDocument/2006/relationships" xmlns:p="http://schemas.openxmlformats.org/presentationml/2006/main">
   <p:cSld>
     <p:spTree>
@@ -21411,7 +21137,7 @@
                 </a:solidFill>
               </a:rPr>
               <a:pPr/>
-              <a:t>35</a:t>
+              <a:t>34</a:t>
             </a:fld>
             <a:endParaRPr lang="ja-JP" altLang="en-US">
               <a:solidFill>
@@ -21750,407 +21476,6 @@
       </p:grpSpPr>
       <p:sp>
         <p:nvSpPr>
-          <p:cNvPr id="7" name="コンテンツ プレースホルダー 2"/>
-          <p:cNvSpPr txBox="1">
-            <a:spLocks/>
-          </p:cNvSpPr>
-          <p:nvPr/>
-        </p:nvSpPr>
-        <p:spPr>
-          <a:xfrm>
-            <a:off x="467544" y="1269479"/>
-            <a:ext cx="8424936" cy="5255865"/>
-          </a:xfrm>
-          <a:prstGeom prst="rect">
-            <a:avLst/>
-          </a:prstGeom>
-        </p:spPr>
-        <p:txBody>
-          <a:bodyPr vert="horz" lIns="91440" tIns="45720" rIns="91440" bIns="45720" rtlCol="0">
-            <a:normAutofit/>
-          </a:bodyPr>
-          <a:lstStyle>
-            <a:lvl1pPr marL="342900" indent="-342900" algn="l" defTabSz="914400" rtl="0" eaLnBrk="1" latinLnBrk="0" hangingPunct="1">
-              <a:spcBef>
-                <a:spcPct val="20000"/>
-              </a:spcBef>
-              <a:buFont typeface="Arial" panose="020B0604020202020204" pitchFamily="34" charset="0"/>
-              <a:buChar char="•"/>
-              <a:defRPr kumimoji="1" sz="2400" kern="1200" baseline="0">
-                <a:solidFill>
-                  <a:schemeClr val="tx1"/>
-                </a:solidFill>
-                <a:latin typeface="(日本語用のフォントを使用)"/>
-                <a:ea typeface="メイリオ" panose="020B0604030504040204" pitchFamily="50" charset="-128"/>
-                <a:cs typeface="+mn-cs"/>
-              </a:defRPr>
-            </a:lvl1pPr>
-            <a:lvl2pPr marL="742950" indent="-285750" algn="l" defTabSz="914400" rtl="0" eaLnBrk="1" latinLnBrk="0" hangingPunct="1">
-              <a:spcBef>
-                <a:spcPct val="20000"/>
-              </a:spcBef>
-              <a:buFont typeface="Arial" panose="020B0604020202020204" pitchFamily="34" charset="0"/>
-              <a:buChar char="–"/>
-              <a:defRPr kumimoji="1" sz="2000" kern="1200" baseline="0">
-                <a:solidFill>
-                  <a:schemeClr val="tx1"/>
-                </a:solidFill>
-                <a:latin typeface="(日本語用のフォントを使用)"/>
-                <a:ea typeface="メイリオ" panose="020B0604030504040204" pitchFamily="50" charset="-128"/>
-                <a:cs typeface="+mn-cs"/>
-              </a:defRPr>
-            </a:lvl2pPr>
-            <a:lvl3pPr marL="1143000" indent="-228600" algn="l" defTabSz="914400" rtl="0" eaLnBrk="1" latinLnBrk="0" hangingPunct="1">
-              <a:spcBef>
-                <a:spcPct val="20000"/>
-              </a:spcBef>
-              <a:buFont typeface="Arial" panose="020B0604020202020204" pitchFamily="34" charset="0"/>
-              <a:buChar char="•"/>
-              <a:defRPr kumimoji="1" sz="1800" kern="1200" baseline="0">
-                <a:solidFill>
-                  <a:schemeClr val="tx1"/>
-                </a:solidFill>
-                <a:latin typeface="(日本語用のフォントを使用)"/>
-                <a:ea typeface="メイリオ" panose="020B0604030504040204" pitchFamily="50" charset="-128"/>
-                <a:cs typeface="+mn-cs"/>
-              </a:defRPr>
-            </a:lvl3pPr>
-            <a:lvl4pPr marL="1600200" indent="-228600" algn="l" defTabSz="914400" rtl="0" eaLnBrk="1" latinLnBrk="0" hangingPunct="1">
-              <a:spcBef>
-                <a:spcPct val="20000"/>
-              </a:spcBef>
-              <a:buFont typeface="Arial" panose="020B0604020202020204" pitchFamily="34" charset="0"/>
-              <a:buChar char="–"/>
-              <a:defRPr kumimoji="1" sz="1600" kern="1200" baseline="0">
-                <a:solidFill>
-                  <a:schemeClr val="tx1"/>
-                </a:solidFill>
-                <a:latin typeface="(日本語用のフォントを使用)"/>
-                <a:ea typeface="メイリオ" panose="020B0604030504040204" pitchFamily="50" charset="-128"/>
-                <a:cs typeface="+mn-cs"/>
-              </a:defRPr>
-            </a:lvl4pPr>
-            <a:lvl5pPr marL="2057400" indent="-228600" algn="l" defTabSz="914400" rtl="0" eaLnBrk="1" latinLnBrk="0" hangingPunct="1">
-              <a:spcBef>
-                <a:spcPct val="20000"/>
-              </a:spcBef>
-              <a:buFont typeface="Arial" panose="020B0604020202020204" pitchFamily="34" charset="0"/>
-              <a:buChar char="»"/>
-              <a:defRPr kumimoji="1" sz="1600" kern="1200" baseline="0">
-                <a:solidFill>
-                  <a:schemeClr val="tx1"/>
-                </a:solidFill>
-                <a:latin typeface="(日本語用のフォントを使用)"/>
-                <a:ea typeface="メイリオ" panose="020B0604030504040204" pitchFamily="50" charset="-128"/>
-                <a:cs typeface="+mn-cs"/>
-              </a:defRPr>
-            </a:lvl5pPr>
-            <a:lvl6pPr marL="2514600" indent="-228600" algn="l" defTabSz="914400" rtl="0" eaLnBrk="1" latinLnBrk="0" hangingPunct="1">
-              <a:spcBef>
-                <a:spcPct val="20000"/>
-              </a:spcBef>
-              <a:buFont typeface="Arial" panose="020B0604020202020204" pitchFamily="34" charset="0"/>
-              <a:buChar char="•"/>
-              <a:defRPr kumimoji="1" sz="2000" kern="1200">
-                <a:solidFill>
-                  <a:schemeClr val="tx1"/>
-                </a:solidFill>
-                <a:latin typeface="+mn-lt"/>
-                <a:ea typeface="+mn-ea"/>
-                <a:cs typeface="+mn-cs"/>
-              </a:defRPr>
-            </a:lvl6pPr>
-            <a:lvl7pPr marL="2971800" indent="-228600" algn="l" defTabSz="914400" rtl="0" eaLnBrk="1" latinLnBrk="0" hangingPunct="1">
-              <a:spcBef>
-                <a:spcPct val="20000"/>
-              </a:spcBef>
-              <a:buFont typeface="Arial" panose="020B0604020202020204" pitchFamily="34" charset="0"/>
-              <a:buChar char="•"/>
-              <a:defRPr kumimoji="1" sz="2000" kern="1200">
-                <a:solidFill>
-                  <a:schemeClr val="tx1"/>
-                </a:solidFill>
-                <a:latin typeface="+mn-lt"/>
-                <a:ea typeface="+mn-ea"/>
-                <a:cs typeface="+mn-cs"/>
-              </a:defRPr>
-            </a:lvl7pPr>
-            <a:lvl8pPr marL="3429000" indent="-228600" algn="l" defTabSz="914400" rtl="0" eaLnBrk="1" latinLnBrk="0" hangingPunct="1">
-              <a:spcBef>
-                <a:spcPct val="20000"/>
-              </a:spcBef>
-              <a:buFont typeface="Arial" panose="020B0604020202020204" pitchFamily="34" charset="0"/>
-              <a:buChar char="•"/>
-              <a:defRPr kumimoji="1" sz="2000" kern="1200">
-                <a:solidFill>
-                  <a:schemeClr val="tx1"/>
-                </a:solidFill>
-                <a:latin typeface="+mn-lt"/>
-                <a:ea typeface="+mn-ea"/>
-                <a:cs typeface="+mn-cs"/>
-              </a:defRPr>
-            </a:lvl8pPr>
-            <a:lvl9pPr marL="3886200" indent="-228600" algn="l" defTabSz="914400" rtl="0" eaLnBrk="1" latinLnBrk="0" hangingPunct="1">
-              <a:spcBef>
-                <a:spcPct val="20000"/>
-              </a:spcBef>
-              <a:buFont typeface="Arial" panose="020B0604020202020204" pitchFamily="34" charset="0"/>
-              <a:buChar char="•"/>
-              <a:defRPr kumimoji="1" sz="2000" kern="1200">
-                <a:solidFill>
-                  <a:schemeClr val="tx1"/>
-                </a:solidFill>
-                <a:latin typeface="+mn-lt"/>
-                <a:ea typeface="+mn-ea"/>
-                <a:cs typeface="+mn-cs"/>
-              </a:defRPr>
-            </a:lvl9pPr>
-          </a:lstStyle>
-          <a:p>
-            <a:pPr>
-              <a:buFont typeface="Wingdings" panose="05000000000000000000" pitchFamily="2" charset="2"/>
-              <a:buChar char="u"/>
-            </a:pPr>
-            <a:endParaRPr lang="en-US" altLang="ja-JP" dirty="0" smtClean="0"/>
-          </a:p>
-        </p:txBody>
-      </p:sp>
-      <p:sp>
-        <p:nvSpPr>
-          <p:cNvPr id="3" name="コンテンツ プレースホルダー 2"/>
-          <p:cNvSpPr>
-            <a:spLocks noGrp="1"/>
-          </p:cNvSpPr>
-          <p:nvPr>
-            <p:ph idx="1"/>
-          </p:nvPr>
-        </p:nvSpPr>
-        <p:spPr/>
-        <p:txBody>
-          <a:bodyPr/>
-          <a:lstStyle/>
-          <a:p>
-            <a:pPr marL="0" indent="0">
-              <a:buNone/>
-            </a:pPr>
-            <a:endParaRPr lang="en-US" altLang="ja-JP" dirty="0" smtClean="0">
-              <a:latin typeface="メイリオ" panose="020B0604030504040204" pitchFamily="50" charset="-128"/>
-            </a:endParaRPr>
-          </a:p>
-          <a:p>
-            <a:pPr marL="0" indent="0">
-              <a:buNone/>
-            </a:pPr>
-            <a:endParaRPr lang="en-US" altLang="ja-JP" dirty="0">
-              <a:latin typeface="メイリオ" panose="020B0604030504040204" pitchFamily="50" charset="-128"/>
-            </a:endParaRPr>
-          </a:p>
-          <a:p>
-            <a:pPr marL="0" indent="0">
-              <a:buNone/>
-            </a:pPr>
-            <a:endParaRPr lang="en-US" altLang="ja-JP" dirty="0" smtClean="0">
-              <a:latin typeface="メイリオ" panose="020B0604030504040204" pitchFamily="50" charset="-128"/>
-            </a:endParaRPr>
-          </a:p>
-          <a:p>
-            <a:pPr marL="0" indent="0">
-              <a:buNone/>
-            </a:pPr>
-            <a:endParaRPr lang="en-US" altLang="ja-JP" dirty="0">
-              <a:latin typeface="メイリオ" panose="020B0604030504040204" pitchFamily="50" charset="-128"/>
-            </a:endParaRPr>
-          </a:p>
-          <a:p>
-            <a:pPr marL="0" indent="0">
-              <a:buNone/>
-            </a:pPr>
-            <a:r>
-              <a:rPr lang="ja-JP" altLang="ja-JP" dirty="0" smtClean="0">
-                <a:latin typeface="メイリオ" panose="020B0604030504040204" pitchFamily="50" charset="-128"/>
-              </a:rPr>
-              <a:t>資料中で利用しているアイコンは</a:t>
-            </a:r>
-            <a:r>
-              <a:rPr lang="ja-JP" altLang="en-US" dirty="0" smtClean="0">
-                <a:latin typeface="メイリオ" panose="020B0604030504040204" pitchFamily="50" charset="-128"/>
-              </a:rPr>
-              <a:t>　　</a:t>
-            </a:r>
-            <a:r>
-              <a:rPr lang="en-US" altLang="ja-JP" dirty="0" err="1" smtClean="0">
-                <a:latin typeface="メイリオ" panose="020B0604030504040204" pitchFamily="50" charset="-128"/>
-              </a:rPr>
-              <a:t>Freepik</a:t>
-            </a:r>
-            <a:r>
-              <a:rPr lang="en-US" altLang="ja-JP" dirty="0" smtClean="0">
-                <a:latin typeface="メイリオ" panose="020B0604030504040204" pitchFamily="50" charset="-128"/>
-              </a:rPr>
-              <a:t>(</a:t>
-            </a:r>
-            <a:r>
-              <a:rPr lang="en-US" altLang="ja-JP" u="sng" dirty="0" smtClean="0">
-                <a:latin typeface="メイリオ" panose="020B0604030504040204" pitchFamily="50" charset="-128"/>
-                <a:hlinkClick r:id="rId2"/>
-              </a:rPr>
-              <a:t>https://www.freepik.com/</a:t>
-            </a:r>
-            <a:r>
-              <a:rPr lang="en-US" altLang="ja-JP" dirty="0" smtClean="0">
-                <a:latin typeface="メイリオ" panose="020B0604030504040204" pitchFamily="50" charset="-128"/>
-              </a:rPr>
-              <a:t>)</a:t>
-            </a:r>
-            <a:r>
-              <a:rPr lang="en-US" altLang="ja-JP" dirty="0" err="1" smtClean="0">
-                <a:latin typeface="メイリオ" panose="020B0604030504040204" pitchFamily="50" charset="-128"/>
-              </a:rPr>
-              <a:t>によって作成され</a:t>
-            </a:r>
-            <a:r>
-              <a:rPr lang="en-US" altLang="ja-JP" dirty="0" smtClean="0">
-                <a:latin typeface="メイリオ" panose="020B0604030504040204" pitchFamily="50" charset="-128"/>
-              </a:rPr>
-              <a:t>、</a:t>
-            </a:r>
-            <a:endParaRPr lang="ja-JP" altLang="ja-JP" dirty="0" smtClean="0">
-              <a:latin typeface="メイリオ" panose="020B0604030504040204" pitchFamily="50" charset="-128"/>
-            </a:endParaRPr>
-          </a:p>
-          <a:p>
-            <a:pPr marL="0" indent="0">
-              <a:buNone/>
-            </a:pPr>
-            <a:r>
-              <a:rPr lang="en-US" altLang="ja-JP" u="sng" dirty="0" smtClean="0">
-                <a:latin typeface="メイリオ" panose="020B0604030504040204" pitchFamily="50" charset="-128"/>
-                <a:hlinkClick r:id="rId3"/>
-              </a:rPr>
-              <a:t>https://www.flaticon.com/</a:t>
-            </a:r>
-            <a:r>
-              <a:rPr lang="en-US" altLang="ja-JP" dirty="0" smtClean="0">
-                <a:latin typeface="メイリオ" panose="020B0604030504040204" pitchFamily="50" charset="-128"/>
-                <a:hlinkClick r:id="rId3"/>
-              </a:rPr>
-              <a:t> </a:t>
-            </a:r>
-            <a:r>
-              <a:rPr lang="ja-JP" altLang="ja-JP" dirty="0" err="1" smtClean="0">
-                <a:latin typeface="メイリオ" panose="020B0604030504040204" pitchFamily="50" charset="-128"/>
-              </a:rPr>
-              <a:t>にて</a:t>
-            </a:r>
-            <a:r>
-              <a:rPr lang="ja-JP" altLang="ja-JP" dirty="0" smtClean="0">
-                <a:latin typeface="メイリオ" panose="020B0604030504040204" pitchFamily="50" charset="-128"/>
-              </a:rPr>
-              <a:t>公開されています。</a:t>
-            </a:r>
-          </a:p>
-          <a:p>
-            <a:pPr marL="0" indent="0">
-              <a:buNone/>
-            </a:pPr>
-            <a:endParaRPr kumimoji="1" lang="ja-JP" altLang="en-US" dirty="0"/>
-          </a:p>
-        </p:txBody>
-      </p:sp>
-      <p:sp>
-        <p:nvSpPr>
-          <p:cNvPr id="4" name="スライド番号プレースホルダー 3"/>
-          <p:cNvSpPr>
-            <a:spLocks noGrp="1"/>
-          </p:cNvSpPr>
-          <p:nvPr>
-            <p:ph type="sldNum" sz="quarter" idx="10"/>
-          </p:nvPr>
-        </p:nvSpPr>
-        <p:spPr/>
-        <p:txBody>
-          <a:bodyPr/>
-          <a:lstStyle/>
-          <a:p>
-            <a:fld id="{B4D007DB-033F-4D0E-8F1F-F48F905DCDAE}" type="slidenum">
-              <a:rPr lang="ja-JP" altLang="en-US" smtClean="0">
-                <a:solidFill>
-                  <a:srgbClr val="000000"/>
-                </a:solidFill>
-              </a:rPr>
-              <a:pPr/>
-              <a:t>5</a:t>
-            </a:fld>
-            <a:endParaRPr lang="ja-JP" altLang="en-US">
-              <a:solidFill>
-                <a:srgbClr val="000000"/>
-              </a:solidFill>
-            </a:endParaRPr>
-          </a:p>
-        </p:txBody>
-      </p:sp>
-      <p:sp>
-        <p:nvSpPr>
-          <p:cNvPr id="5" name="タイトル 4"/>
-          <p:cNvSpPr>
-            <a:spLocks noGrp="1"/>
-          </p:cNvSpPr>
-          <p:nvPr>
-            <p:ph type="title"/>
-          </p:nvPr>
-        </p:nvSpPr>
-        <p:spPr/>
-        <p:txBody>
-          <a:bodyPr/>
-          <a:lstStyle/>
-          <a:p>
-            <a:r>
-              <a:rPr kumimoji="1" lang="ja-JP" altLang="en-US" dirty="0" smtClean="0"/>
-              <a:t>クレジット</a:t>
-            </a:r>
-            <a:endParaRPr kumimoji="1" lang="ja-JP" altLang="en-US" dirty="0"/>
-          </a:p>
-        </p:txBody>
-      </p:sp>
-    </p:spTree>
-    <p:extLst>
-      <p:ext uri="{BB962C8B-B14F-4D97-AF65-F5344CB8AC3E}">
-        <p14:creationId xmlns:p14="http://schemas.microsoft.com/office/powerpoint/2010/main" val="580250150"/>
-      </p:ext>
-    </p:extLst>
-  </p:cSld>
-  <p:clrMapOvr>
-    <a:masterClrMapping/>
-  </p:clrMapOvr>
-  <p:timing>
-    <p:tnLst>
-      <p:par>
-        <p:cTn id="1" dur="indefinite" restart="never" nodeType="tmRoot"/>
-      </p:par>
-    </p:tnLst>
-  </p:timing>
-</p:sld>
-</file>
-
-<file path=ppt/slides/slide6.xml><?xml version="1.0" encoding="utf-8"?>
-<p:sld xmlns:a="http://schemas.openxmlformats.org/drawingml/2006/main" xmlns:r="http://schemas.openxmlformats.org/officeDocument/2006/relationships" xmlns:p="http://schemas.openxmlformats.org/presentationml/2006/main">
-  <p:cSld>
-    <p:spTree>
-      <p:nvGrpSpPr>
-        <p:cNvPr id="1" name=""/>
-        <p:cNvGrpSpPr/>
-        <p:nvPr/>
-      </p:nvGrpSpPr>
-      <p:grpSpPr>
-        <a:xfrm>
-          <a:off x="0" y="0"/>
-          <a:ext cx="0" cy="0"/>
-          <a:chOff x="0" y="0"/>
-          <a:chExt cx="0" cy="0"/>
-        </a:xfrm>
-      </p:grpSpPr>
-      <p:sp>
-        <p:nvSpPr>
           <p:cNvPr id="2" name="タイトル 1"/>
           <p:cNvSpPr>
             <a:spLocks noGrp="1"/>
@@ -22194,7 +21519,7 @@
                 </a:solidFill>
               </a:rPr>
               <a:pPr/>
-              <a:t>6</a:t>
+              <a:t>5</a:t>
             </a:fld>
             <a:endParaRPr lang="ja-JP" altLang="en-US" dirty="0">
               <a:solidFill>
@@ -22224,7 +21549,7 @@
 </p:sld>
 </file>
 
-<file path=ppt/slides/slide7.xml><?xml version="1.0" encoding="utf-8"?>
+<file path=ppt/slides/slide6.xml><?xml version="1.0" encoding="utf-8"?>
 <p:sld xmlns:a="http://schemas.openxmlformats.org/drawingml/2006/main" xmlns:r="http://schemas.openxmlformats.org/officeDocument/2006/relationships" xmlns:p="http://schemas.openxmlformats.org/presentationml/2006/main">
   <p:cSld>
     <p:spTree>
@@ -22407,7 +21732,7 @@
                 </a:solidFill>
               </a:rPr>
               <a:pPr/>
-              <a:t>7</a:t>
+              <a:t>6</a:t>
             </a:fld>
             <a:endParaRPr lang="ja-JP" altLang="en-US" dirty="0">
               <a:solidFill>
@@ -23335,7 +22660,7 @@
 </p:sld>
 </file>
 
-<file path=ppt/slides/slide8.xml><?xml version="1.0" encoding="utf-8"?>
+<file path=ppt/slides/slide7.xml><?xml version="1.0" encoding="utf-8"?>
 <p:sld xmlns:a="http://schemas.openxmlformats.org/drawingml/2006/main" xmlns:r="http://schemas.openxmlformats.org/officeDocument/2006/relationships" xmlns:p="http://schemas.openxmlformats.org/presentationml/2006/main">
   <p:cSld>
     <p:spTree>
@@ -23402,7 +22727,7 @@
                 </a:solidFill>
               </a:rPr>
               <a:pPr/>
-              <a:t>8</a:t>
+              <a:t>7</a:t>
             </a:fld>
             <a:endParaRPr lang="ja-JP" altLang="en-US" dirty="0">
               <a:solidFill>
@@ -23416,6 +22741,629 @@
     <p:extLst>
       <p:ext uri="{BB962C8B-B14F-4D97-AF65-F5344CB8AC3E}">
         <p14:creationId xmlns:p14="http://schemas.microsoft.com/office/powerpoint/2010/main" val="1807254088"/>
+      </p:ext>
+    </p:extLst>
+  </p:cSld>
+  <p:clrMapOvr>
+    <a:masterClrMapping/>
+  </p:clrMapOvr>
+  <p:timing>
+    <p:tnLst>
+      <p:par>
+        <p:cTn id="1" dur="indefinite" restart="never" nodeType="tmRoot"/>
+      </p:par>
+    </p:tnLst>
+  </p:timing>
+</p:sld>
+</file>
+
+<file path=ppt/slides/slide8.xml><?xml version="1.0" encoding="utf-8"?>
+<p:sld xmlns:a="http://schemas.openxmlformats.org/drawingml/2006/main" xmlns:r="http://schemas.openxmlformats.org/officeDocument/2006/relationships" xmlns:p="http://schemas.openxmlformats.org/presentationml/2006/main">
+  <p:cSld>
+    <p:spTree>
+      <p:nvGrpSpPr>
+        <p:cNvPr id="1" name=""/>
+        <p:cNvGrpSpPr/>
+        <p:nvPr/>
+      </p:nvGrpSpPr>
+      <p:grpSpPr>
+        <a:xfrm>
+          <a:off x="0" y="0"/>
+          <a:ext cx="0" cy="0"/>
+          <a:chOff x="0" y="0"/>
+          <a:chExt cx="0" cy="0"/>
+        </a:xfrm>
+      </p:grpSpPr>
+      <p:sp>
+        <p:nvSpPr>
+          <p:cNvPr id="5" name="角丸四角形 4"/>
+          <p:cNvSpPr/>
+          <p:nvPr/>
+        </p:nvSpPr>
+        <p:spPr>
+          <a:xfrm>
+            <a:off x="467544" y="1916832"/>
+            <a:ext cx="8424936" cy="1080120"/>
+          </a:xfrm>
+          <a:prstGeom prst="roundRect">
+            <a:avLst/>
+          </a:prstGeom>
+          <a:solidFill>
+            <a:schemeClr val="accent6">
+              <a:lumMod val="20000"/>
+              <a:lumOff val="80000"/>
+            </a:schemeClr>
+          </a:solidFill>
+          <a:ln>
+            <a:noFill/>
+          </a:ln>
+        </p:spPr>
+        <p:style>
+          <a:lnRef idx="2">
+            <a:schemeClr val="accent1">
+              <a:shade val="50000"/>
+            </a:schemeClr>
+          </a:lnRef>
+          <a:fillRef idx="1">
+            <a:schemeClr val="accent1"/>
+          </a:fillRef>
+          <a:effectRef idx="0">
+            <a:schemeClr val="accent1"/>
+          </a:effectRef>
+          <a:fontRef idx="minor">
+            <a:schemeClr val="lt1"/>
+          </a:fontRef>
+        </p:style>
+        <p:txBody>
+          <a:bodyPr rtlCol="0" anchor="ctr"/>
+          <a:lstStyle/>
+          <a:p>
+            <a:r>
+              <a:rPr lang="ja-JP" altLang="en-US" sz="2800" dirty="0">
+                <a:solidFill>
+                  <a:schemeClr val="tx1"/>
+                </a:solidFill>
+              </a:rPr>
+              <a:t>「独自のプロダクト、サービス、所産を創造するために</a:t>
+            </a:r>
+            <a:endParaRPr lang="en-US" altLang="ja-JP" sz="2800" dirty="0">
+              <a:solidFill>
+                <a:schemeClr val="tx1"/>
+              </a:solidFill>
+            </a:endParaRPr>
+          </a:p>
+          <a:p>
+            <a:r>
+              <a:rPr lang="ja-JP" altLang="en-US" sz="2800" dirty="0">
+                <a:solidFill>
+                  <a:schemeClr val="tx1"/>
+                </a:solidFill>
+              </a:rPr>
+              <a:t>実施する、</a:t>
+            </a:r>
+            <a:r>
+              <a:rPr lang="ja-JP" altLang="en-US" sz="2800" u="sng" dirty="0" smtClean="0">
+                <a:solidFill>
+                  <a:schemeClr val="tx1"/>
+                </a:solidFill>
+              </a:rPr>
+              <a:t>有期性</a:t>
+            </a:r>
+            <a:r>
+              <a:rPr lang="ja-JP" altLang="en-US" sz="2800" dirty="0">
+                <a:solidFill>
+                  <a:schemeClr val="tx1"/>
+                </a:solidFill>
+              </a:rPr>
+              <a:t>のある業務」</a:t>
+            </a:r>
+            <a:r>
+              <a:rPr lang="en-US" altLang="ja-JP" sz="2800" dirty="0">
+                <a:solidFill>
+                  <a:schemeClr val="tx1"/>
+                </a:solidFill>
+              </a:rPr>
+              <a:t>(PMBOK</a:t>
+            </a:r>
+            <a:r>
+              <a:rPr lang="ja-JP" altLang="en-US" sz="2800" dirty="0">
+                <a:solidFill>
+                  <a:schemeClr val="tx1"/>
+                </a:solidFill>
+              </a:rPr>
+              <a:t>第</a:t>
+            </a:r>
+            <a:r>
+              <a:rPr lang="en-US" altLang="ja-JP" sz="2800" dirty="0">
+                <a:solidFill>
+                  <a:schemeClr val="tx1"/>
+                </a:solidFill>
+              </a:rPr>
+              <a:t>6</a:t>
+            </a:r>
+            <a:r>
+              <a:rPr lang="ja-JP" altLang="en-US" sz="2800" dirty="0">
+                <a:solidFill>
+                  <a:schemeClr val="tx1"/>
+                </a:solidFill>
+              </a:rPr>
+              <a:t>版より</a:t>
+            </a:r>
+            <a:r>
+              <a:rPr lang="en-US" altLang="ja-JP" sz="2800" dirty="0">
+                <a:solidFill>
+                  <a:schemeClr val="tx1"/>
+                </a:solidFill>
+              </a:rPr>
+              <a:t>)</a:t>
+            </a:r>
+            <a:endParaRPr lang="ja-JP" altLang="en-US" sz="2800" dirty="0">
+              <a:solidFill>
+                <a:schemeClr val="tx1"/>
+              </a:solidFill>
+            </a:endParaRPr>
+          </a:p>
+        </p:txBody>
+      </p:sp>
+      <p:sp>
+        <p:nvSpPr>
+          <p:cNvPr id="2" name="タイトル 1"/>
+          <p:cNvSpPr>
+            <a:spLocks noGrp="1"/>
+          </p:cNvSpPr>
+          <p:nvPr>
+            <p:ph type="title"/>
+          </p:nvPr>
+        </p:nvSpPr>
+        <p:spPr/>
+        <p:txBody>
+          <a:bodyPr/>
+          <a:lstStyle/>
+          <a:p>
+            <a:r>
+              <a:rPr kumimoji="1" lang="ja-JP" altLang="en-US" dirty="0" smtClean="0"/>
+              <a:t>プロダクトマネージャーについて</a:t>
+            </a:r>
+            <a:endParaRPr kumimoji="1" lang="ja-JP" altLang="en-US" dirty="0"/>
+          </a:p>
+        </p:txBody>
+      </p:sp>
+      <p:sp>
+        <p:nvSpPr>
+          <p:cNvPr id="3" name="コンテンツ プレースホルダー 2"/>
+          <p:cNvSpPr>
+            <a:spLocks noGrp="1"/>
+          </p:cNvSpPr>
+          <p:nvPr>
+            <p:ph idx="1"/>
+          </p:nvPr>
+        </p:nvSpPr>
+        <p:spPr>
+          <a:xfrm>
+            <a:off x="467544" y="1268759"/>
+            <a:ext cx="8424936" cy="576065"/>
+          </a:xfrm>
+        </p:spPr>
+        <p:txBody>
+          <a:bodyPr>
+            <a:normAutofit/>
+          </a:bodyPr>
+          <a:lstStyle/>
+          <a:p>
+            <a:pPr marL="0" indent="0">
+              <a:buNone/>
+            </a:pPr>
+            <a:r>
+              <a:rPr lang="ja-JP" altLang="en-US" sz="1400" dirty="0"/>
+              <a:t>そもそも</a:t>
+            </a:r>
+            <a:r>
+              <a:rPr kumimoji="1" lang="ja-JP" altLang="en-US" sz="2800" b="1" dirty="0" smtClean="0"/>
+              <a:t>プロジェクト</a:t>
+            </a:r>
+            <a:r>
+              <a:rPr kumimoji="1" lang="ja-JP" altLang="en-US" sz="1400" dirty="0" smtClean="0"/>
+              <a:t>とは</a:t>
+            </a:r>
+            <a:endParaRPr kumimoji="1" lang="en-US" altLang="ja-JP" sz="2800" dirty="0" smtClean="0"/>
+          </a:p>
+        </p:txBody>
+      </p:sp>
+      <p:sp>
+        <p:nvSpPr>
+          <p:cNvPr id="4" name="スライド番号プレースホルダー 3"/>
+          <p:cNvSpPr>
+            <a:spLocks noGrp="1"/>
+          </p:cNvSpPr>
+          <p:nvPr>
+            <p:ph type="sldNum" sz="quarter" idx="10"/>
+          </p:nvPr>
+        </p:nvSpPr>
+        <p:spPr/>
+        <p:txBody>
+          <a:bodyPr/>
+          <a:lstStyle/>
+          <a:p>
+            <a:fld id="{B4D007DB-033F-4D0E-8F1F-F48F905DCDAE}" type="slidenum">
+              <a:rPr lang="ja-JP" altLang="en-US" smtClean="0">
+                <a:solidFill>
+                  <a:srgbClr val="000000"/>
+                </a:solidFill>
+              </a:rPr>
+              <a:pPr/>
+              <a:t>8</a:t>
+            </a:fld>
+            <a:endParaRPr lang="ja-JP" altLang="en-US">
+              <a:solidFill>
+                <a:srgbClr val="000000"/>
+              </a:solidFill>
+            </a:endParaRPr>
+          </a:p>
+        </p:txBody>
+      </p:sp>
+      <p:cxnSp>
+        <p:nvCxnSpPr>
+          <p:cNvPr id="7" name="直線矢印コネクタ 6"/>
+          <p:cNvCxnSpPr/>
+          <p:nvPr/>
+        </p:nvCxnSpPr>
+        <p:spPr>
+          <a:xfrm flipH="1">
+            <a:off x="2411760" y="2852936"/>
+            <a:ext cx="504056" cy="504056"/>
+          </a:xfrm>
+          <a:prstGeom prst="straightConnector1">
+            <a:avLst/>
+          </a:prstGeom>
+          <a:ln w="57150">
+            <a:solidFill>
+              <a:srgbClr val="FF0000"/>
+            </a:solidFill>
+            <a:tailEnd type="arrow"/>
+          </a:ln>
+        </p:spPr>
+        <p:style>
+          <a:lnRef idx="1">
+            <a:schemeClr val="accent1"/>
+          </a:lnRef>
+          <a:fillRef idx="0">
+            <a:schemeClr val="accent1"/>
+          </a:fillRef>
+          <a:effectRef idx="0">
+            <a:schemeClr val="accent1"/>
+          </a:effectRef>
+          <a:fontRef idx="minor">
+            <a:schemeClr val="tx1"/>
+          </a:fontRef>
+        </p:style>
+      </p:cxnSp>
+      <p:sp>
+        <p:nvSpPr>
+          <p:cNvPr id="10" name="テキスト ボックス 9"/>
+          <p:cNvSpPr txBox="1"/>
+          <p:nvPr/>
+        </p:nvSpPr>
+        <p:spPr>
+          <a:xfrm>
+            <a:off x="539552" y="3356992"/>
+            <a:ext cx="4680520" cy="369332"/>
+          </a:xfrm>
+          <a:prstGeom prst="rect">
+            <a:avLst/>
+          </a:prstGeom>
+          <a:noFill/>
+        </p:spPr>
+        <p:txBody>
+          <a:bodyPr wrap="square" rtlCol="0">
+            <a:spAutoFit/>
+          </a:bodyPr>
+          <a:lstStyle/>
+          <a:p>
+            <a:r>
+              <a:rPr kumimoji="1" lang="ja-JP" altLang="en-US" dirty="0" smtClean="0">
+                <a:latin typeface="メイリオ" panose="020B0604030504040204" pitchFamily="50" charset="-128"/>
+                <a:ea typeface="メイリオ" panose="020B0604030504040204" pitchFamily="50" charset="-128"/>
+              </a:rPr>
+              <a:t>有期性：始まりと終わりが存在すること</a:t>
+            </a:r>
+            <a:endParaRPr kumimoji="1" lang="ja-JP" altLang="en-US" dirty="0">
+              <a:latin typeface="メイリオ" panose="020B0604030504040204" pitchFamily="50" charset="-128"/>
+              <a:ea typeface="メイリオ" panose="020B0604030504040204" pitchFamily="50" charset="-128"/>
+            </a:endParaRPr>
+          </a:p>
+        </p:txBody>
+      </p:sp>
+      <p:sp>
+        <p:nvSpPr>
+          <p:cNvPr id="12" name="角丸四角形 11"/>
+          <p:cNvSpPr/>
+          <p:nvPr/>
+        </p:nvSpPr>
+        <p:spPr>
+          <a:xfrm>
+            <a:off x="467544" y="4653137"/>
+            <a:ext cx="8424936" cy="1584175"/>
+          </a:xfrm>
+          <a:prstGeom prst="roundRect">
+            <a:avLst/>
+          </a:prstGeom>
+          <a:solidFill>
+            <a:schemeClr val="accent6">
+              <a:lumMod val="60000"/>
+              <a:lumOff val="40000"/>
+            </a:schemeClr>
+          </a:solidFill>
+          <a:ln>
+            <a:noFill/>
+          </a:ln>
+        </p:spPr>
+        <p:style>
+          <a:lnRef idx="2">
+            <a:schemeClr val="accent1">
+              <a:shade val="50000"/>
+            </a:schemeClr>
+          </a:lnRef>
+          <a:fillRef idx="1">
+            <a:schemeClr val="accent1"/>
+          </a:fillRef>
+          <a:effectRef idx="0">
+            <a:schemeClr val="accent1"/>
+          </a:effectRef>
+          <a:fontRef idx="minor">
+            <a:schemeClr val="lt1"/>
+          </a:fontRef>
+        </p:style>
+        <p:txBody>
+          <a:bodyPr rtlCol="0" anchor="ctr"/>
+          <a:lstStyle/>
+          <a:p>
+            <a:r>
+              <a:rPr lang="ja-JP" altLang="en-US" sz="2800" dirty="0" smtClean="0">
+                <a:solidFill>
+                  <a:schemeClr val="tx1"/>
+                </a:solidFill>
+                <a:latin typeface="メイリオ" panose="020B0604030504040204" pitchFamily="50" charset="-128"/>
+                <a:ea typeface="メイリオ" panose="020B0604030504040204" pitchFamily="50" charset="-128"/>
+              </a:rPr>
+              <a:t>プロジェクトで注視すべきは「終わらせること（定められた条件内で）」で</a:t>
+            </a:r>
+            <a:r>
+              <a:rPr lang="ja-JP" altLang="en-US" sz="2800" dirty="0">
+                <a:solidFill>
+                  <a:schemeClr val="tx1"/>
+                </a:solidFill>
+                <a:latin typeface="メイリオ" panose="020B0604030504040204" pitchFamily="50" charset="-128"/>
+                <a:ea typeface="メイリオ" panose="020B0604030504040204" pitchFamily="50" charset="-128"/>
+              </a:rPr>
+              <a:t>あり</a:t>
+            </a:r>
+            <a:r>
+              <a:rPr lang="ja-JP" altLang="en-US" sz="2800" dirty="0" smtClean="0">
+                <a:solidFill>
+                  <a:schemeClr val="tx1"/>
+                </a:solidFill>
+                <a:latin typeface="メイリオ" panose="020B0604030504040204" pitchFamily="50" charset="-128"/>
+                <a:ea typeface="メイリオ" panose="020B0604030504040204" pitchFamily="50" charset="-128"/>
+              </a:rPr>
+              <a:t>、最も見るべきものは</a:t>
+            </a:r>
+            <a:r>
+              <a:rPr lang="ja-JP" altLang="en-US" sz="2800" b="1" dirty="0" smtClean="0">
+                <a:solidFill>
+                  <a:srgbClr val="FF0000"/>
+                </a:solidFill>
+                <a:latin typeface="メイリオ" panose="020B0604030504040204" pitchFamily="50" charset="-128"/>
+                <a:ea typeface="メイリオ" panose="020B0604030504040204" pitchFamily="50" charset="-128"/>
+              </a:rPr>
+              <a:t>スケジュール</a:t>
+            </a:r>
+            <a:r>
+              <a:rPr lang="ja-JP" altLang="en-US" sz="2800" dirty="0" smtClean="0">
+                <a:solidFill>
+                  <a:schemeClr val="tx1"/>
+                </a:solidFill>
+                <a:latin typeface="メイリオ" panose="020B0604030504040204" pitchFamily="50" charset="-128"/>
+                <a:ea typeface="メイリオ" panose="020B0604030504040204" pitchFamily="50" charset="-128"/>
+              </a:rPr>
+              <a:t>になる。</a:t>
+            </a:r>
+            <a:endParaRPr lang="ja-JP" altLang="en-US" sz="2800" b="1" dirty="0">
+              <a:solidFill>
+                <a:srgbClr val="FF0000"/>
+              </a:solidFill>
+              <a:latin typeface="メイリオ" panose="020B0604030504040204" pitchFamily="50" charset="-128"/>
+              <a:ea typeface="メイリオ" panose="020B0604030504040204" pitchFamily="50" charset="-128"/>
+            </a:endParaRPr>
+          </a:p>
+        </p:txBody>
+      </p:sp>
+      <p:sp>
+        <p:nvSpPr>
+          <p:cNvPr id="13" name="コンテンツ プレースホルダー 2"/>
+          <p:cNvSpPr txBox="1">
+            <a:spLocks/>
+          </p:cNvSpPr>
+          <p:nvPr/>
+        </p:nvSpPr>
+        <p:spPr>
+          <a:xfrm>
+            <a:off x="539552" y="4077072"/>
+            <a:ext cx="8424936" cy="576065"/>
+          </a:xfrm>
+          <a:prstGeom prst="rect">
+            <a:avLst/>
+          </a:prstGeom>
+        </p:spPr>
+        <p:txBody>
+          <a:bodyPr vert="horz" lIns="91440" tIns="45720" rIns="91440" bIns="45720" rtlCol="0">
+            <a:normAutofit/>
+          </a:bodyPr>
+          <a:lstStyle>
+            <a:lvl1pPr marL="342900" indent="-342900" algn="l" defTabSz="914400" rtl="0" eaLnBrk="1" latinLnBrk="0" hangingPunct="1">
+              <a:spcBef>
+                <a:spcPct val="20000"/>
+              </a:spcBef>
+              <a:buFont typeface="Arial" panose="020B0604020202020204" pitchFamily="34" charset="0"/>
+              <a:buChar char="•"/>
+              <a:defRPr kumimoji="1" sz="2400" kern="1200" baseline="0">
+                <a:solidFill>
+                  <a:schemeClr val="tx1"/>
+                </a:solidFill>
+                <a:latin typeface="(日本語用のフォントを使用)"/>
+                <a:ea typeface="メイリオ" panose="020B0604030504040204" pitchFamily="50" charset="-128"/>
+                <a:cs typeface="+mn-cs"/>
+              </a:defRPr>
+            </a:lvl1pPr>
+            <a:lvl2pPr marL="742950" indent="-285750" algn="l" defTabSz="914400" rtl="0" eaLnBrk="1" latinLnBrk="0" hangingPunct="1">
+              <a:spcBef>
+                <a:spcPct val="20000"/>
+              </a:spcBef>
+              <a:buFont typeface="Arial" panose="020B0604020202020204" pitchFamily="34" charset="0"/>
+              <a:buChar char="–"/>
+              <a:defRPr kumimoji="1" sz="2000" kern="1200" baseline="0">
+                <a:solidFill>
+                  <a:schemeClr val="tx1"/>
+                </a:solidFill>
+                <a:latin typeface="(日本語用のフォントを使用)"/>
+                <a:ea typeface="メイリオ" panose="020B0604030504040204" pitchFamily="50" charset="-128"/>
+                <a:cs typeface="+mn-cs"/>
+              </a:defRPr>
+            </a:lvl2pPr>
+            <a:lvl3pPr marL="1143000" indent="-228600" algn="l" defTabSz="914400" rtl="0" eaLnBrk="1" latinLnBrk="0" hangingPunct="1">
+              <a:spcBef>
+                <a:spcPct val="20000"/>
+              </a:spcBef>
+              <a:buFont typeface="Arial" panose="020B0604020202020204" pitchFamily="34" charset="0"/>
+              <a:buChar char="•"/>
+              <a:defRPr kumimoji="1" sz="1800" kern="1200" baseline="0">
+                <a:solidFill>
+                  <a:schemeClr val="tx1"/>
+                </a:solidFill>
+                <a:latin typeface="(日本語用のフォントを使用)"/>
+                <a:ea typeface="メイリオ" panose="020B0604030504040204" pitchFamily="50" charset="-128"/>
+                <a:cs typeface="+mn-cs"/>
+              </a:defRPr>
+            </a:lvl3pPr>
+            <a:lvl4pPr marL="1600200" indent="-228600" algn="l" defTabSz="914400" rtl="0" eaLnBrk="1" latinLnBrk="0" hangingPunct="1">
+              <a:spcBef>
+                <a:spcPct val="20000"/>
+              </a:spcBef>
+              <a:buFont typeface="Arial" panose="020B0604020202020204" pitchFamily="34" charset="0"/>
+              <a:buChar char="–"/>
+              <a:defRPr kumimoji="1" sz="1600" kern="1200" baseline="0">
+                <a:solidFill>
+                  <a:schemeClr val="tx1"/>
+                </a:solidFill>
+                <a:latin typeface="(日本語用のフォントを使用)"/>
+                <a:ea typeface="メイリオ" panose="020B0604030504040204" pitchFamily="50" charset="-128"/>
+                <a:cs typeface="+mn-cs"/>
+              </a:defRPr>
+            </a:lvl4pPr>
+            <a:lvl5pPr marL="2057400" indent="-228600" algn="l" defTabSz="914400" rtl="0" eaLnBrk="1" latinLnBrk="0" hangingPunct="1">
+              <a:spcBef>
+                <a:spcPct val="20000"/>
+              </a:spcBef>
+              <a:buFont typeface="Arial" panose="020B0604020202020204" pitchFamily="34" charset="0"/>
+              <a:buChar char="»"/>
+              <a:defRPr kumimoji="1" sz="1600" kern="1200" baseline="0">
+                <a:solidFill>
+                  <a:schemeClr val="tx1"/>
+                </a:solidFill>
+                <a:latin typeface="(日本語用のフォントを使用)"/>
+                <a:ea typeface="メイリオ" panose="020B0604030504040204" pitchFamily="50" charset="-128"/>
+                <a:cs typeface="+mn-cs"/>
+              </a:defRPr>
+            </a:lvl5pPr>
+            <a:lvl6pPr marL="2514600" indent="-228600" algn="l" defTabSz="914400" rtl="0" eaLnBrk="1" latinLnBrk="0" hangingPunct="1">
+              <a:spcBef>
+                <a:spcPct val="20000"/>
+              </a:spcBef>
+              <a:buFont typeface="Arial" panose="020B0604020202020204" pitchFamily="34" charset="0"/>
+              <a:buChar char="•"/>
+              <a:defRPr kumimoji="1" sz="2000" kern="1200">
+                <a:solidFill>
+                  <a:schemeClr val="tx1"/>
+                </a:solidFill>
+                <a:latin typeface="+mn-lt"/>
+                <a:ea typeface="+mn-ea"/>
+                <a:cs typeface="+mn-cs"/>
+              </a:defRPr>
+            </a:lvl6pPr>
+            <a:lvl7pPr marL="2971800" indent="-228600" algn="l" defTabSz="914400" rtl="0" eaLnBrk="1" latinLnBrk="0" hangingPunct="1">
+              <a:spcBef>
+                <a:spcPct val="20000"/>
+              </a:spcBef>
+              <a:buFont typeface="Arial" panose="020B0604020202020204" pitchFamily="34" charset="0"/>
+              <a:buChar char="•"/>
+              <a:defRPr kumimoji="1" sz="2000" kern="1200">
+                <a:solidFill>
+                  <a:schemeClr val="tx1"/>
+                </a:solidFill>
+                <a:latin typeface="+mn-lt"/>
+                <a:ea typeface="+mn-ea"/>
+                <a:cs typeface="+mn-cs"/>
+              </a:defRPr>
+            </a:lvl7pPr>
+            <a:lvl8pPr marL="3429000" indent="-228600" algn="l" defTabSz="914400" rtl="0" eaLnBrk="1" latinLnBrk="0" hangingPunct="1">
+              <a:spcBef>
+                <a:spcPct val="20000"/>
+              </a:spcBef>
+              <a:buFont typeface="Arial" panose="020B0604020202020204" pitchFamily="34" charset="0"/>
+              <a:buChar char="•"/>
+              <a:defRPr kumimoji="1" sz="2000" kern="1200">
+                <a:solidFill>
+                  <a:schemeClr val="tx1"/>
+                </a:solidFill>
+                <a:latin typeface="+mn-lt"/>
+                <a:ea typeface="+mn-ea"/>
+                <a:cs typeface="+mn-cs"/>
+              </a:defRPr>
+            </a:lvl8pPr>
+            <a:lvl9pPr marL="3886200" indent="-228600" algn="l" defTabSz="914400" rtl="0" eaLnBrk="1" latinLnBrk="0" hangingPunct="1">
+              <a:spcBef>
+                <a:spcPct val="20000"/>
+              </a:spcBef>
+              <a:buFont typeface="Arial" panose="020B0604020202020204" pitchFamily="34" charset="0"/>
+              <a:buChar char="•"/>
+              <a:defRPr kumimoji="1" sz="2000" kern="1200">
+                <a:solidFill>
+                  <a:schemeClr val="tx1"/>
+                </a:solidFill>
+                <a:latin typeface="+mn-lt"/>
+                <a:ea typeface="+mn-ea"/>
+                <a:cs typeface="+mn-cs"/>
+              </a:defRPr>
+            </a:lvl9pPr>
+          </a:lstStyle>
+          <a:p>
+            <a:pPr marL="0" indent="0">
+              <a:buFont typeface="Arial" panose="020B0604020202020204" pitchFamily="34" charset="0"/>
+              <a:buNone/>
+            </a:pPr>
+            <a:r>
+              <a:rPr lang="ja-JP" altLang="en-US" sz="1400" dirty="0"/>
+              <a:t>そのため</a:t>
+            </a:r>
+            <a:r>
+              <a:rPr lang="ja-JP" altLang="en-US" sz="2800" b="1" dirty="0" smtClean="0"/>
+              <a:t>プロジェクトマネージャー</a:t>
+            </a:r>
+            <a:r>
+              <a:rPr lang="ja-JP" altLang="en-US" sz="1400" dirty="0"/>
+              <a:t>は</a:t>
+            </a:r>
+            <a:r>
+              <a:rPr lang="ja-JP" altLang="en-US" sz="1400" dirty="0" smtClean="0"/>
+              <a:t>以下を意識する必要がある。</a:t>
+            </a:r>
+            <a:endParaRPr lang="en-US" altLang="ja-JP" sz="2800" dirty="0" smtClean="0"/>
+          </a:p>
+        </p:txBody>
+      </p:sp>
+    </p:spTree>
+    <p:extLst>
+      <p:ext uri="{BB962C8B-B14F-4D97-AF65-F5344CB8AC3E}">
+        <p14:creationId xmlns:p14="http://schemas.microsoft.com/office/powerpoint/2010/main" val="163294795"/>
       </p:ext>
     </p:extLst>
   </p:cSld>
@@ -23494,83 +23442,12 @@
           <a:lstStyle/>
           <a:p>
             <a:r>
-              <a:rPr lang="ja-JP" altLang="en-US" sz="2800" dirty="0">
+              <a:rPr lang="ja-JP" altLang="en-US" sz="2800" dirty="0" smtClean="0">
                 <a:solidFill>
                   <a:schemeClr val="tx1"/>
                 </a:solidFill>
               </a:rPr>
-              <a:t>「独自のプロダクト、サービス、所産を創造するために</a:t>
-            </a:r>
-            <a:endParaRPr lang="en-US" altLang="ja-JP" sz="2800" dirty="0">
-              <a:solidFill>
-                <a:schemeClr val="tx1"/>
-              </a:solidFill>
-            </a:endParaRPr>
-          </a:p>
-          <a:p>
-            <a:r>
-              <a:rPr lang="ja-JP" altLang="en-US" sz="2800" dirty="0">
-                <a:solidFill>
-                  <a:schemeClr val="tx1"/>
-                </a:solidFill>
-              </a:rPr>
-              <a:t>実施する、</a:t>
-            </a:r>
-            <a:r>
-              <a:rPr lang="ja-JP" altLang="en-US" sz="2800" u="sng" dirty="0" smtClean="0">
-                <a:solidFill>
-                  <a:schemeClr val="tx1"/>
-                </a:solidFill>
-              </a:rPr>
-              <a:t>有期性</a:t>
-            </a:r>
-            <a:r>
-              <a:rPr lang="ja-JP" altLang="en-US" sz="2800" dirty="0">
-                <a:solidFill>
-                  <a:schemeClr val="tx1"/>
-                </a:solidFill>
-              </a:rPr>
-              <a:t>のある業務」</a:t>
-            </a:r>
-            <a:r>
-              <a:rPr lang="en-US" altLang="ja-JP" sz="2800" dirty="0">
-                <a:solidFill>
-                  <a:schemeClr val="tx1"/>
-                </a:solidFill>
-              </a:rPr>
-              <a:t>(PMBOK</a:t>
-            </a:r>
-            <a:r>
-              <a:rPr lang="ja-JP" altLang="en-US" sz="2800" dirty="0">
-                <a:solidFill>
-                  <a:schemeClr val="tx1"/>
-                </a:solidFill>
-              </a:rPr>
-              <a:t>第</a:t>
-            </a:r>
-            <a:r>
-              <a:rPr lang="en-US" altLang="ja-JP" sz="2800" dirty="0">
-                <a:solidFill>
-                  <a:schemeClr val="tx1"/>
-                </a:solidFill>
-              </a:rPr>
-              <a:t>6</a:t>
-            </a:r>
-            <a:r>
-              <a:rPr lang="ja-JP" altLang="en-US" sz="2800" dirty="0">
-                <a:solidFill>
-                  <a:schemeClr val="tx1"/>
-                </a:solidFill>
-              </a:rPr>
-              <a:t>版より</a:t>
-            </a:r>
-            <a:r>
-              <a:rPr lang="en-US" altLang="ja-JP" sz="2800" dirty="0">
-                <a:solidFill>
-                  <a:schemeClr val="tx1"/>
-                </a:solidFill>
-              </a:rPr>
-              <a:t>)</a:t>
+              <a:t>マーケットのニーズを満たすことで収益を上げられる。</a:t>
             </a:r>
             <a:endParaRPr lang="ja-JP" altLang="en-US" sz="2800" dirty="0">
               <a:solidFill>
@@ -23597,7 +23474,15 @@
           <a:p>
             <a:r>
               <a:rPr kumimoji="1" lang="ja-JP" altLang="en-US" dirty="0" smtClean="0"/>
-              <a:t>プロダクトマネージャーについて</a:t>
+              <a:t>プロダクト</a:t>
+            </a:r>
+            <a:r>
+              <a:rPr lang="ja-JP" altLang="en-US" dirty="0"/>
+              <a:t>オーナ</a:t>
+            </a:r>
+            <a:r>
+              <a:rPr kumimoji="1" lang="ja-JP" altLang="en-US" dirty="0" smtClean="0"/>
+              <a:t>ーについて</a:t>
             </a:r>
             <a:endParaRPr kumimoji="1" lang="ja-JP" altLang="en-US" dirty="0"/>
           </a:p>
@@ -23629,16 +23514,24 @@
               <a:buNone/>
             </a:pPr>
             <a:r>
-              <a:rPr lang="ja-JP" altLang="en-US" sz="1400" dirty="0"/>
-              <a:t>そもそも</a:t>
+              <a:rPr lang="ja-JP" altLang="en-US" sz="1400" dirty="0" smtClean="0"/>
+              <a:t>一方</a:t>
+            </a:r>
+            <a:r>
+              <a:rPr lang="ja-JP" altLang="en-US" sz="2800" b="1" dirty="0" smtClean="0"/>
+              <a:t>プロダク</a:t>
             </a:r>
             <a:r>
               <a:rPr kumimoji="1" lang="ja-JP" altLang="en-US" sz="2800" b="1" dirty="0" smtClean="0"/>
-              <a:t>プロジェクト</a:t>
+              <a:t>ト</a:t>
+            </a:r>
+            <a:r>
+              <a:rPr kumimoji="1" lang="ja-JP" altLang="en-US" sz="1600" dirty="0" smtClean="0"/>
+              <a:t>と</a:t>
             </a:r>
             <a:r>
               <a:rPr kumimoji="1" lang="ja-JP" altLang="en-US" sz="1400" dirty="0" smtClean="0"/>
-              <a:t>とは</a:t>
+              <a:t>は</a:t>
             </a:r>
             <a:endParaRPr kumimoji="1" lang="en-US" altLang="ja-JP" sz="2800" dirty="0" smtClean="0"/>
           </a:p>
@@ -23676,78 +23569,6 @@
           </a:p>
         </p:txBody>
       </p:sp>
-      <p:cxnSp>
-        <p:nvCxnSpPr>
-          <p:cNvPr id="7" name="直線矢印コネクタ 6"/>
-          <p:cNvCxnSpPr/>
-          <p:nvPr/>
-        </p:nvCxnSpPr>
-        <p:spPr>
-          <a:xfrm flipH="1">
-            <a:off x="2411760" y="2852936"/>
-            <a:ext cx="504056" cy="504056"/>
-          </a:xfrm>
-          <a:prstGeom prst="straightConnector1">
-            <a:avLst/>
-          </a:prstGeom>
-          <a:ln w="57150">
-            <a:solidFill>
-              <a:srgbClr val="FF0000"/>
-            </a:solidFill>
-            <a:tailEnd type="arrow"/>
-          </a:ln>
-        </p:spPr>
-        <p:style>
-          <a:lnRef idx="1">
-            <a:schemeClr val="accent1"/>
-          </a:lnRef>
-          <a:fillRef idx="0">
-            <a:schemeClr val="accent1"/>
-          </a:fillRef>
-          <a:effectRef idx="0">
-            <a:schemeClr val="accent1"/>
-          </a:effectRef>
-          <a:fontRef idx="minor">
-            <a:schemeClr val="tx1"/>
-          </a:fontRef>
-        </p:style>
-      </p:cxnSp>
-      <p:sp>
-        <p:nvSpPr>
-          <p:cNvPr id="10" name="テキスト ボックス 9"/>
-          <p:cNvSpPr txBox="1"/>
-          <p:nvPr/>
-        </p:nvSpPr>
-        <p:spPr>
-          <a:xfrm>
-            <a:off x="539552" y="3356992"/>
-            <a:ext cx="4680520" cy="369332"/>
-          </a:xfrm>
-          <a:prstGeom prst="rect">
-            <a:avLst/>
-          </a:prstGeom>
-          <a:noFill/>
-        </p:spPr>
-        <p:txBody>
-          <a:bodyPr wrap="square" rtlCol="0">
-            <a:spAutoFit/>
-          </a:bodyPr>
-          <a:lstStyle/>
-          <a:p>
-            <a:r>
-              <a:rPr kumimoji="1" lang="ja-JP" altLang="en-US" dirty="0" smtClean="0">
-                <a:latin typeface="メイリオ" panose="020B0604030504040204" pitchFamily="50" charset="-128"/>
-                <a:ea typeface="メイリオ" panose="020B0604030504040204" pitchFamily="50" charset="-128"/>
-              </a:rPr>
-              <a:t>有期性：始まりと終わりが存在すること</a:t>
-            </a:r>
-            <a:endParaRPr kumimoji="1" lang="ja-JP" altLang="en-US" dirty="0">
-              <a:latin typeface="メイリオ" panose="020B0604030504040204" pitchFamily="50" charset="-128"/>
-              <a:ea typeface="メイリオ" panose="020B0604030504040204" pitchFamily="50" charset="-128"/>
-            </a:endParaRPr>
-          </a:p>
-        </p:txBody>
-      </p:sp>
       <p:sp>
         <p:nvSpPr>
           <p:cNvPr id="12" name="角丸四角形 11"/>
@@ -23756,8 +23577,8 @@
         </p:nvSpPr>
         <p:spPr>
           <a:xfrm>
-            <a:off x="467544" y="4653137"/>
-            <a:ext cx="8424936" cy="1584175"/>
+            <a:off x="467544" y="4293096"/>
+            <a:ext cx="8424936" cy="1632938"/>
           </a:xfrm>
           <a:prstGeom prst="roundRect">
             <a:avLst/>
@@ -23800,7 +23621,7 @@
                 <a:latin typeface="メイリオ" panose="020B0604030504040204" pitchFamily="50" charset="-128"/>
                 <a:ea typeface="メイリオ" panose="020B0604030504040204" pitchFamily="50" charset="-128"/>
               </a:rPr>
-              <a:t>プロジェクトで注視すべきは「終わらせること（定められた条件内で）」で</a:t>
+              <a:t>プロダクト開発で注視すべきは「</a:t>
             </a:r>
             <a:r>
               <a:rPr lang="ja-JP" altLang="en-US" sz="2800" dirty="0">
@@ -23810,7 +23631,7 @@
                 <a:latin typeface="メイリオ" panose="020B0604030504040204" pitchFamily="50" charset="-128"/>
                 <a:ea typeface="メイリオ" panose="020B0604030504040204" pitchFamily="50" charset="-128"/>
               </a:rPr>
-              <a:t>あり</a:t>
+              <a:t>マーケット</a:t>
             </a:r>
             <a:r>
               <a:rPr lang="ja-JP" altLang="en-US" sz="2800" dirty="0" smtClean="0">
@@ -23820,17 +23641,37 @@
                 <a:latin typeface="メイリオ" panose="020B0604030504040204" pitchFamily="50" charset="-128"/>
                 <a:ea typeface="メイリオ" panose="020B0604030504040204" pitchFamily="50" charset="-128"/>
               </a:rPr>
-              <a:t>、最も見るべきものは</a:t>
-            </a:r>
-            <a:r>
-              <a:rPr lang="ja-JP" altLang="en-US" sz="2800" b="1" dirty="0" smtClean="0">
-                <a:solidFill>
-                  <a:srgbClr val="FF0000"/>
+              <a:t>のニーズを満たす」こと</a:t>
+            </a:r>
+            <a:r>
+              <a:rPr lang="ja-JP" altLang="en-US" sz="2800" dirty="0">
+                <a:solidFill>
+                  <a:schemeClr val="tx1"/>
                 </a:solidFill>
                 <a:latin typeface="メイリオ" panose="020B0604030504040204" pitchFamily="50" charset="-128"/>
                 <a:ea typeface="メイリオ" panose="020B0604030504040204" pitchFamily="50" charset="-128"/>
               </a:rPr>
-              <a:t>スケジュール</a:t>
+              <a:t>であり</a:t>
+            </a:r>
+            <a:r>
+              <a:rPr lang="ja-JP" altLang="en-US" sz="2800" dirty="0" smtClean="0">
+                <a:solidFill>
+                  <a:schemeClr val="tx1"/>
+                </a:solidFill>
+                <a:latin typeface="メイリオ" panose="020B0604030504040204" pitchFamily="50" charset="-128"/>
+                <a:ea typeface="メイリオ" panose="020B0604030504040204" pitchFamily="50" charset="-128"/>
+              </a:rPr>
+              <a:t>、最も見るべきものは</a:t>
+            </a:r>
+            <a:r>
+              <a:rPr lang="ja-JP" altLang="en-US" sz="2800" b="1" dirty="0" smtClean="0">
+                <a:solidFill>
+                  <a:srgbClr val="FF0000"/>
+                </a:solidFill>
+                <a:latin typeface="メイリオ" panose="020B0604030504040204" pitchFamily="50" charset="-128"/>
+                <a:ea typeface="メイリオ" panose="020B0604030504040204" pitchFamily="50" charset="-128"/>
+              </a:rPr>
+              <a:t>マーケット</a:t>
             </a:r>
             <a:r>
               <a:rPr lang="ja-JP" altLang="en-US" sz="2800" dirty="0" smtClean="0">
@@ -23862,7 +23703,7 @@
         </p:nvSpPr>
         <p:spPr>
           <a:xfrm>
-            <a:off x="539552" y="4077072"/>
+            <a:off x="539552" y="3717031"/>
             <a:ext cx="8424936" cy="576065"/>
           </a:xfrm>
           <a:prstGeom prst="rect">
@@ -24012,24 +23853,23 @@
           </a:lstStyle>
           <a:p>
             <a:pPr marL="0" indent="0">
-              <a:buFont typeface="Arial" panose="020B0604020202020204" pitchFamily="34" charset="0"/>
               <a:buNone/>
             </a:pPr>
             <a:r>
-              <a:rPr lang="ja-JP" altLang="en-US" sz="1400" dirty="0"/>
+              <a:rPr lang="ja-JP" altLang="en-US" sz="1400" dirty="0">
+                <a:latin typeface="メイリオ"/>
+              </a:rPr>
               <a:t>そのため</a:t>
             </a:r>
             <a:r>
-              <a:rPr lang="ja-JP" altLang="en-US" sz="2800" b="1" dirty="0" smtClean="0"/>
-              <a:t>プロジェクトマネージャー</a:t>
-            </a:r>
-            <a:r>
-              <a:rPr lang="ja-JP" altLang="en-US" sz="1400" dirty="0"/>
-              <a:t>は</a:t>
+              <a:rPr lang="ja-JP" altLang="en-US" sz="2800" b="1" dirty="0" smtClean="0">
+                <a:latin typeface="メイリオ" panose="020B0604030504040204" pitchFamily="50" charset="-128"/>
+              </a:rPr>
+              <a:t>プロダクトオーナー</a:t>
             </a:r>
             <a:r>
               <a:rPr lang="ja-JP" altLang="en-US" sz="1400" dirty="0" smtClean="0"/>
-              <a:t>以下を意識する必要がある。</a:t>
+              <a:t>は以下を意識する必要がある。</a:t>
             </a:r>
             <a:endParaRPr lang="en-US" altLang="ja-JP" sz="2800" dirty="0" smtClean="0"/>
           </a:p>
@@ -24038,7 +23878,7 @@
     </p:spTree>
     <p:extLst>
       <p:ext uri="{BB962C8B-B14F-4D97-AF65-F5344CB8AC3E}">
-        <p14:creationId xmlns:p14="http://schemas.microsoft.com/office/powerpoint/2010/main" val="163294795"/>
+        <p14:creationId xmlns:p14="http://schemas.microsoft.com/office/powerpoint/2010/main" val="1800836744"/>
       </p:ext>
     </p:extLst>
   </p:cSld>

--- a/docs/プロダクトオーナーの役割.pptx
+++ b/docs/プロダクトオーナーの役割.pptx
@@ -1136,248 +1136,6 @@
       <dsp:cNvGrpSpPr/>
     </dsp:nvGrpSpPr>
     <dsp:grpSpPr/>
-    <dsp:sp modelId="{297E16BB-D720-4348-AFE7-C21A9332A6D6}">
-      <dsp:nvSpPr>
-        <dsp:cNvPr id="0" name=""/>
-        <dsp:cNvSpPr/>
-      </dsp:nvSpPr>
-      <dsp:spPr>
-        <a:xfrm>
-          <a:off x="3156355" y="871387"/>
-          <a:ext cx="1650328" cy="1650328"/>
-        </a:xfrm>
-        <a:prstGeom prst="rect">
-          <a:avLst/>
-        </a:prstGeom>
-        <a:noFill/>
-        <a:ln>
-          <a:noFill/>
-        </a:ln>
-        <a:effectLst/>
-      </dsp:spPr>
-      <dsp:style>
-        <a:lnRef idx="0">
-          <a:scrgbClr r="0" g="0" b="0"/>
-        </a:lnRef>
-        <a:fillRef idx="0">
-          <a:scrgbClr r="0" g="0" b="0"/>
-        </a:fillRef>
-        <a:effectRef idx="0">
-          <a:scrgbClr r="0" g="0" b="0"/>
-        </a:effectRef>
-        <a:fontRef idx="minor"/>
-      </dsp:style>
-      <dsp:txBody>
-        <a:bodyPr spcFirstLastPara="0" vert="horz" wrap="square" lIns="55880" tIns="55880" rIns="55880" bIns="55880" numCol="1" spcCol="1270" anchor="ctr" anchorCtr="0">
-          <a:noAutofit/>
-        </a:bodyPr>
-        <a:lstStyle/>
-        <a:p>
-          <a:pPr lvl="0" algn="ctr" defTabSz="1955800">
-            <a:lnSpc>
-              <a:spcPct val="90000"/>
-            </a:lnSpc>
-            <a:spcBef>
-              <a:spcPct val="0"/>
-            </a:spcBef>
-            <a:spcAft>
-              <a:spcPct val="35000"/>
-            </a:spcAft>
-          </a:pPr>
-          <a:r>
-            <a:rPr kumimoji="1" lang="ja-JP" altLang="en-US" sz="4400" kern="1200" dirty="0" smtClean="0">
-              <a:latin typeface="メイリオ" panose="020B0604030504040204" pitchFamily="50" charset="-128"/>
-              <a:ea typeface="メイリオ" panose="020B0604030504040204" pitchFamily="50" charset="-128"/>
-            </a:rPr>
-            <a:t>適応</a:t>
-          </a:r>
-          <a:endParaRPr kumimoji="1" lang="ja-JP" altLang="en-US" sz="4400" kern="1200" dirty="0">
-            <a:latin typeface="メイリオ" panose="020B0604030504040204" pitchFamily="50" charset="-128"/>
-            <a:ea typeface="メイリオ" panose="020B0604030504040204" pitchFamily="50" charset="-128"/>
-          </a:endParaRPr>
-        </a:p>
-      </dsp:txBody>
-      <dsp:txXfrm>
-        <a:off x="3156355" y="871387"/>
-        <a:ext cx="1650328" cy="1650328"/>
-      </dsp:txXfrm>
-    </dsp:sp>
-    <dsp:sp modelId="{07DC8127-4991-4EDB-8E5C-6AB140419D1F}">
-      <dsp:nvSpPr>
-        <dsp:cNvPr id="0" name=""/>
-        <dsp:cNvSpPr/>
-      </dsp:nvSpPr>
-      <dsp:spPr>
-        <a:xfrm>
-          <a:off x="934448" y="-1299"/>
-          <a:ext cx="3395703" cy="3395703"/>
-        </a:xfrm>
-        <a:prstGeom prst="circularArrow">
-          <a:avLst>
-            <a:gd name="adj1" fmla="val 9477"/>
-            <a:gd name="adj2" fmla="val 684435"/>
-            <a:gd name="adj3" fmla="val 7853307"/>
-            <a:gd name="adj4" fmla="val 2262257"/>
-            <a:gd name="adj5" fmla="val 11057"/>
-          </a:avLst>
-        </a:prstGeom>
-        <a:solidFill>
-          <a:schemeClr val="accent5">
-            <a:hueOff val="0"/>
-            <a:satOff val="0"/>
-            <a:lumOff val="0"/>
-            <a:alphaOff val="0"/>
-          </a:schemeClr>
-        </a:solidFill>
-        <a:ln w="25400" cap="flat" cmpd="sng" algn="ctr">
-          <a:solidFill>
-            <a:schemeClr val="lt1">
-              <a:hueOff val="0"/>
-              <a:satOff val="0"/>
-              <a:lumOff val="0"/>
-              <a:alphaOff val="0"/>
-            </a:schemeClr>
-          </a:solidFill>
-          <a:prstDash val="solid"/>
-        </a:ln>
-        <a:effectLst/>
-      </dsp:spPr>
-      <dsp:style>
-        <a:lnRef idx="2">
-          <a:scrgbClr r="0" g="0" b="0"/>
-        </a:lnRef>
-        <a:fillRef idx="1">
-          <a:scrgbClr r="0" g="0" b="0"/>
-        </a:fillRef>
-        <a:effectRef idx="0">
-          <a:scrgbClr r="0" g="0" b="0"/>
-        </a:effectRef>
-        <a:fontRef idx="minor">
-          <a:schemeClr val="lt1"/>
-        </a:fontRef>
-      </dsp:style>
-    </dsp:sp>
-    <dsp:sp modelId="{468E0165-C11A-459B-A55D-34B2D60EB29E}">
-      <dsp:nvSpPr>
-        <dsp:cNvPr id="0" name=""/>
-        <dsp:cNvSpPr/>
-      </dsp:nvSpPr>
-      <dsp:spPr>
-        <a:xfrm>
-          <a:off x="457915" y="871387"/>
-          <a:ext cx="1650328" cy="1650328"/>
-        </a:xfrm>
-        <a:prstGeom prst="rect">
-          <a:avLst/>
-        </a:prstGeom>
-        <a:noFill/>
-        <a:ln>
-          <a:noFill/>
-        </a:ln>
-        <a:effectLst/>
-      </dsp:spPr>
-      <dsp:style>
-        <a:lnRef idx="0">
-          <a:scrgbClr r="0" g="0" b="0"/>
-        </a:lnRef>
-        <a:fillRef idx="0">
-          <a:scrgbClr r="0" g="0" b="0"/>
-        </a:fillRef>
-        <a:effectRef idx="0">
-          <a:scrgbClr r="0" g="0" b="0"/>
-        </a:effectRef>
-        <a:fontRef idx="minor"/>
-      </dsp:style>
-      <dsp:txBody>
-        <a:bodyPr spcFirstLastPara="0" vert="horz" wrap="square" lIns="55880" tIns="55880" rIns="55880" bIns="55880" numCol="1" spcCol="1270" anchor="ctr" anchorCtr="0">
-          <a:noAutofit/>
-        </a:bodyPr>
-        <a:lstStyle/>
-        <a:p>
-          <a:pPr lvl="0" algn="ctr" defTabSz="1955800">
-            <a:lnSpc>
-              <a:spcPct val="90000"/>
-            </a:lnSpc>
-            <a:spcBef>
-              <a:spcPct val="0"/>
-            </a:spcBef>
-            <a:spcAft>
-              <a:spcPct val="35000"/>
-            </a:spcAft>
-          </a:pPr>
-          <a:r>
-            <a:rPr kumimoji="1" lang="ja-JP" altLang="en-US" sz="4400" kern="1200" dirty="0" smtClean="0">
-              <a:latin typeface="メイリオ" panose="020B0604030504040204" pitchFamily="50" charset="-128"/>
-              <a:ea typeface="メイリオ" panose="020B0604030504040204" pitchFamily="50" charset="-128"/>
-            </a:rPr>
-            <a:t>検査</a:t>
-          </a:r>
-          <a:endParaRPr kumimoji="1" lang="ja-JP" altLang="en-US" sz="4400" kern="1200" dirty="0">
-            <a:latin typeface="メイリオ" panose="020B0604030504040204" pitchFamily="50" charset="-128"/>
-            <a:ea typeface="メイリオ" panose="020B0604030504040204" pitchFamily="50" charset="-128"/>
-          </a:endParaRPr>
-        </a:p>
-      </dsp:txBody>
-      <dsp:txXfrm>
-        <a:off x="457915" y="871387"/>
-        <a:ext cx="1650328" cy="1650328"/>
-      </dsp:txXfrm>
-    </dsp:sp>
-    <dsp:sp modelId="{4FD79FEA-C542-45C4-BB57-D3550179A470}">
-      <dsp:nvSpPr>
-        <dsp:cNvPr id="0" name=""/>
-        <dsp:cNvSpPr/>
-      </dsp:nvSpPr>
-      <dsp:spPr>
-        <a:xfrm>
-          <a:off x="934448" y="-1299"/>
-          <a:ext cx="3395703" cy="3395703"/>
-        </a:xfrm>
-        <a:prstGeom prst="circularArrow">
-          <a:avLst>
-            <a:gd name="adj1" fmla="val 9477"/>
-            <a:gd name="adj2" fmla="val 684435"/>
-            <a:gd name="adj3" fmla="val 18653307"/>
-            <a:gd name="adj4" fmla="val 13062257"/>
-            <a:gd name="adj5" fmla="val 11057"/>
-          </a:avLst>
-        </a:prstGeom>
-        <a:solidFill>
-          <a:schemeClr val="accent5">
-            <a:hueOff val="-5755075"/>
-            <a:satOff val="-22165"/>
-            <a:lumOff val="23723"/>
-            <a:alphaOff val="0"/>
-          </a:schemeClr>
-        </a:solidFill>
-        <a:ln w="25400" cap="flat" cmpd="sng" algn="ctr">
-          <a:solidFill>
-            <a:schemeClr val="lt1">
-              <a:hueOff val="0"/>
-              <a:satOff val="0"/>
-              <a:lumOff val="0"/>
-              <a:alphaOff val="0"/>
-            </a:schemeClr>
-          </a:solidFill>
-          <a:prstDash val="solid"/>
-        </a:ln>
-        <a:effectLst/>
-      </dsp:spPr>
-      <dsp:style>
-        <a:lnRef idx="2">
-          <a:scrgbClr r="0" g="0" b="0"/>
-        </a:lnRef>
-        <a:fillRef idx="1">
-          <a:scrgbClr r="0" g="0" b="0"/>
-        </a:fillRef>
-        <a:effectRef idx="0">
-          <a:scrgbClr r="0" g="0" b="0"/>
-        </a:effectRef>
-        <a:fontRef idx="minor">
-          <a:schemeClr val="lt1"/>
-        </a:fontRef>
-      </dsp:style>
-    </dsp:sp>
   </dsp:spTree>
 </dsp:drawing>
 </file>
@@ -2696,7 +2454,7 @@
           <a:p>
             <a:fld id="{FB51DCDA-08E1-40B7-B9EB-15F057C75ABD}" type="datetimeFigureOut">
               <a:rPr kumimoji="1" lang="ja-JP" altLang="en-US" smtClean="0"/>
-              <a:t>2019/2/18</a:t>
+              <a:t>2019/8/28</a:t>
             </a:fld>
             <a:endParaRPr kumimoji="1" lang="ja-JP" altLang="en-US"/>
           </a:p>
@@ -7589,7 +7347,7 @@
         </p:blipFill>
         <p:spPr>
           <a:xfrm>
-            <a:off x="467544" y="6178292"/>
+            <a:off x="467544" y="5882399"/>
             <a:ext cx="825953" cy="295893"/>
           </a:xfrm>
           <a:prstGeom prst="rect">
@@ -7605,7 +7363,7 @@
         </p:nvSpPr>
         <p:spPr>
           <a:xfrm>
-            <a:off x="467544" y="6453336"/>
+            <a:off x="467544" y="6200719"/>
             <a:ext cx="7632848" cy="261610"/>
           </a:xfrm>
           <a:prstGeom prst="rect">
@@ -7805,6 +7563,205 @@
               <a:latin typeface="Meiryo UI"/>
               <a:ea typeface="Meiryo UI"/>
             </a:endParaRPr>
+          </a:p>
+        </p:txBody>
+      </p:sp>
+      <p:sp>
+        <p:nvSpPr>
+          <p:cNvPr id="7" name="テキスト ボックス 5"/>
+          <p:cNvSpPr txBox="1"/>
+          <p:nvPr/>
+        </p:nvSpPr>
+        <p:spPr>
+          <a:xfrm>
+            <a:off x="358227" y="6462329"/>
+            <a:ext cx="7632848" cy="261610"/>
+          </a:xfrm>
+          <a:prstGeom prst="rect">
+            <a:avLst/>
+          </a:prstGeom>
+          <a:noFill/>
+        </p:spPr>
+        <p:txBody>
+          <a:bodyPr wrap="square" rtlCol="0">
+            <a:spAutoFit/>
+          </a:bodyPr>
+          <a:lstStyle>
+            <a:defPPr>
+              <a:defRPr lang="ja-JP"/>
+            </a:defPPr>
+            <a:lvl1pPr marL="0" algn="l" defTabSz="457200" rtl="0" eaLnBrk="1" latinLnBrk="0" hangingPunct="1">
+              <a:defRPr kumimoji="1" sz="1800" kern="1200">
+                <a:solidFill>
+                  <a:schemeClr val="tx1"/>
+                </a:solidFill>
+                <a:latin typeface="+mn-lt"/>
+                <a:ea typeface="+mn-ea"/>
+                <a:cs typeface="+mn-cs"/>
+              </a:defRPr>
+            </a:lvl1pPr>
+            <a:lvl2pPr marL="457200" algn="l" defTabSz="457200" rtl="0" eaLnBrk="1" latinLnBrk="0" hangingPunct="1">
+              <a:defRPr kumimoji="1" sz="1800" kern="1200">
+                <a:solidFill>
+                  <a:schemeClr val="tx1"/>
+                </a:solidFill>
+                <a:latin typeface="+mn-lt"/>
+                <a:ea typeface="+mn-ea"/>
+                <a:cs typeface="+mn-cs"/>
+              </a:defRPr>
+            </a:lvl2pPr>
+            <a:lvl3pPr marL="914400" algn="l" defTabSz="457200" rtl="0" eaLnBrk="1" latinLnBrk="0" hangingPunct="1">
+              <a:defRPr kumimoji="1" sz="1800" kern="1200">
+                <a:solidFill>
+                  <a:schemeClr val="tx1"/>
+                </a:solidFill>
+                <a:latin typeface="+mn-lt"/>
+                <a:ea typeface="+mn-ea"/>
+                <a:cs typeface="+mn-cs"/>
+              </a:defRPr>
+            </a:lvl3pPr>
+            <a:lvl4pPr marL="1371600" algn="l" defTabSz="457200" rtl="0" eaLnBrk="1" latinLnBrk="0" hangingPunct="1">
+              <a:defRPr kumimoji="1" sz="1800" kern="1200">
+                <a:solidFill>
+                  <a:schemeClr val="tx1"/>
+                </a:solidFill>
+                <a:latin typeface="+mn-lt"/>
+                <a:ea typeface="+mn-ea"/>
+                <a:cs typeface="+mn-cs"/>
+              </a:defRPr>
+            </a:lvl4pPr>
+            <a:lvl5pPr marL="1828800" algn="l" defTabSz="457200" rtl="0" eaLnBrk="1" latinLnBrk="0" hangingPunct="1">
+              <a:defRPr kumimoji="1" sz="1800" kern="1200">
+                <a:solidFill>
+                  <a:schemeClr val="tx1"/>
+                </a:solidFill>
+                <a:latin typeface="+mn-lt"/>
+                <a:ea typeface="+mn-ea"/>
+                <a:cs typeface="+mn-cs"/>
+              </a:defRPr>
+            </a:lvl5pPr>
+            <a:lvl6pPr marL="2286000" algn="l" defTabSz="457200" rtl="0" eaLnBrk="1" latinLnBrk="0" hangingPunct="1">
+              <a:defRPr kumimoji="1" sz="1800" kern="1200">
+                <a:solidFill>
+                  <a:schemeClr val="tx1"/>
+                </a:solidFill>
+                <a:latin typeface="+mn-lt"/>
+                <a:ea typeface="+mn-ea"/>
+                <a:cs typeface="+mn-cs"/>
+              </a:defRPr>
+            </a:lvl6pPr>
+            <a:lvl7pPr marL="2743200" algn="l" defTabSz="457200" rtl="0" eaLnBrk="1" latinLnBrk="0" hangingPunct="1">
+              <a:defRPr kumimoji="1" sz="1800" kern="1200">
+                <a:solidFill>
+                  <a:schemeClr val="tx1"/>
+                </a:solidFill>
+                <a:latin typeface="+mn-lt"/>
+                <a:ea typeface="+mn-ea"/>
+                <a:cs typeface="+mn-cs"/>
+              </a:defRPr>
+            </a:lvl7pPr>
+            <a:lvl8pPr marL="3200400" algn="l" defTabSz="457200" rtl="0" eaLnBrk="1" latinLnBrk="0" hangingPunct="1">
+              <a:defRPr kumimoji="1" sz="1800" kern="1200">
+                <a:solidFill>
+                  <a:schemeClr val="tx1"/>
+                </a:solidFill>
+                <a:latin typeface="+mn-lt"/>
+                <a:ea typeface="+mn-ea"/>
+                <a:cs typeface="+mn-cs"/>
+              </a:defRPr>
+            </a:lvl8pPr>
+            <a:lvl9pPr marL="3657600" algn="l" defTabSz="457200" rtl="0" eaLnBrk="1" latinLnBrk="0" hangingPunct="1">
+              <a:defRPr kumimoji="1" sz="1800" kern="1200">
+                <a:solidFill>
+                  <a:schemeClr val="tx1"/>
+                </a:solidFill>
+                <a:latin typeface="+mn-lt"/>
+                <a:ea typeface="+mn-ea"/>
+                <a:cs typeface="+mn-cs"/>
+              </a:defRPr>
+            </a:lvl9pPr>
+          </a:lstStyle>
+          <a:p>
+            <a:r>
+              <a:rPr lang="ja-JP" altLang="en-US" sz="1100" dirty="0">
+                <a:solidFill>
+                  <a:srgbClr val="000000"/>
+                </a:solidFill>
+                <a:latin typeface="Meiryo UI"/>
+                <a:ea typeface="Meiryo UI"/>
+              </a:rPr>
+              <a:t>　プロダクトオーナーの役割</a:t>
+            </a:r>
+            <a:r>
+              <a:rPr lang="en-US" altLang="ja-JP" sz="1100" dirty="0" smtClean="0">
+                <a:solidFill>
+                  <a:srgbClr val="000000"/>
+                </a:solidFill>
+                <a:latin typeface="Meiryo UI"/>
+                <a:ea typeface="Meiryo UI"/>
+              </a:rPr>
+              <a:t>©</a:t>
+            </a:r>
+            <a:r>
+              <a:rPr lang="en-US" altLang="ja-JP" sz="1100" dirty="0">
+                <a:solidFill>
+                  <a:srgbClr val="000000"/>
+                </a:solidFill>
+                <a:latin typeface="Meiryo UI"/>
+                <a:ea typeface="Meiryo UI"/>
+              </a:rPr>
+              <a:t>2018 TIS INC. </a:t>
+            </a:r>
+            <a:r>
+              <a:rPr lang="ja-JP" altLang="en-US" sz="1100" dirty="0">
+                <a:solidFill>
+                  <a:srgbClr val="000000"/>
+                </a:solidFill>
+                <a:latin typeface="Meiryo UI"/>
+                <a:ea typeface="Meiryo UI"/>
+              </a:rPr>
+              <a:t>クリエイティブ・コモンズ・ライセンス（表示</a:t>
+            </a:r>
+            <a:r>
+              <a:rPr lang="en-US" altLang="ja-JP" sz="1100" dirty="0">
+                <a:solidFill>
+                  <a:srgbClr val="000000"/>
+                </a:solidFill>
+                <a:latin typeface="Meiryo UI"/>
+                <a:ea typeface="Meiryo UI"/>
+              </a:rPr>
+              <a:t>-</a:t>
+            </a:r>
+            <a:r>
+              <a:rPr lang="ja-JP" altLang="en-US" sz="1100" dirty="0">
+                <a:solidFill>
+                  <a:srgbClr val="000000"/>
+                </a:solidFill>
+                <a:latin typeface="Meiryo UI"/>
+                <a:ea typeface="Meiryo UI"/>
+              </a:rPr>
+              <a:t>継承 </a:t>
+            </a:r>
+            <a:r>
+              <a:rPr lang="en-US" altLang="ja-JP" sz="1100" dirty="0">
+                <a:solidFill>
+                  <a:srgbClr val="000000"/>
+                </a:solidFill>
+                <a:latin typeface="Meiryo UI"/>
+                <a:ea typeface="Meiryo UI"/>
+              </a:rPr>
+              <a:t>4.0 </a:t>
+            </a:r>
+            <a:r>
+              <a:rPr lang="ja-JP" altLang="en-US" sz="1100" dirty="0">
+                <a:solidFill>
+                  <a:srgbClr val="000000"/>
+                </a:solidFill>
+                <a:latin typeface="Meiryo UI"/>
+                <a:ea typeface="Meiryo UI"/>
+              </a:rPr>
+              <a:t>国際）</a:t>
+            </a:r>
           </a:p>
         </p:txBody>
       </p:sp>
